--- a/figures/supp_analysis/supplementary_figures.pptx
+++ b/figures/supp_analysis/supplementary_figures.pptx
@@ -261,7 +261,7 @@
           <a:p>
             <a:fld id="{511599FC-64F5-3B4A-A30F-C2B13A816A83}" type="datetimeFigureOut">
               <a:rPr lang="en-US" smtClean="0"/>
-              <a:t>8/19/20</a:t>
+              <a:t>9/9/20</a:t>
             </a:fld>
             <a:endParaRPr lang="en-US"/>
           </a:p>
@@ -459,7 +459,7 @@
           <a:p>
             <a:fld id="{511599FC-64F5-3B4A-A30F-C2B13A816A83}" type="datetimeFigureOut">
               <a:rPr lang="en-US" smtClean="0"/>
-              <a:t>8/19/20</a:t>
+              <a:t>9/9/20</a:t>
             </a:fld>
             <a:endParaRPr lang="en-US"/>
           </a:p>
@@ -667,7 +667,7 @@
           <a:p>
             <a:fld id="{511599FC-64F5-3B4A-A30F-C2B13A816A83}" type="datetimeFigureOut">
               <a:rPr lang="en-US" smtClean="0"/>
-              <a:t>8/19/20</a:t>
+              <a:t>9/9/20</a:t>
             </a:fld>
             <a:endParaRPr lang="en-US"/>
           </a:p>
@@ -865,7 +865,7 @@
           <a:p>
             <a:fld id="{511599FC-64F5-3B4A-A30F-C2B13A816A83}" type="datetimeFigureOut">
               <a:rPr lang="en-US" smtClean="0"/>
-              <a:t>8/19/20</a:t>
+              <a:t>9/9/20</a:t>
             </a:fld>
             <a:endParaRPr lang="en-US"/>
           </a:p>
@@ -1140,7 +1140,7 @@
           <a:p>
             <a:fld id="{511599FC-64F5-3B4A-A30F-C2B13A816A83}" type="datetimeFigureOut">
               <a:rPr lang="en-US" smtClean="0"/>
-              <a:t>8/19/20</a:t>
+              <a:t>9/9/20</a:t>
             </a:fld>
             <a:endParaRPr lang="en-US"/>
           </a:p>
@@ -1405,7 +1405,7 @@
           <a:p>
             <a:fld id="{511599FC-64F5-3B4A-A30F-C2B13A816A83}" type="datetimeFigureOut">
               <a:rPr lang="en-US" smtClean="0"/>
-              <a:t>8/19/20</a:t>
+              <a:t>9/9/20</a:t>
             </a:fld>
             <a:endParaRPr lang="en-US"/>
           </a:p>
@@ -1817,7 +1817,7 @@
           <a:p>
             <a:fld id="{511599FC-64F5-3B4A-A30F-C2B13A816A83}" type="datetimeFigureOut">
               <a:rPr lang="en-US" smtClean="0"/>
-              <a:t>8/19/20</a:t>
+              <a:t>9/9/20</a:t>
             </a:fld>
             <a:endParaRPr lang="en-US"/>
           </a:p>
@@ -1958,7 +1958,7 @@
           <a:p>
             <a:fld id="{511599FC-64F5-3B4A-A30F-C2B13A816A83}" type="datetimeFigureOut">
               <a:rPr lang="en-US" smtClean="0"/>
-              <a:t>8/19/20</a:t>
+              <a:t>9/9/20</a:t>
             </a:fld>
             <a:endParaRPr lang="en-US"/>
           </a:p>
@@ -2071,7 +2071,7 @@
           <a:p>
             <a:fld id="{511599FC-64F5-3B4A-A30F-C2B13A816A83}" type="datetimeFigureOut">
               <a:rPr lang="en-US" smtClean="0"/>
-              <a:t>8/19/20</a:t>
+              <a:t>9/9/20</a:t>
             </a:fld>
             <a:endParaRPr lang="en-US"/>
           </a:p>
@@ -2382,7 +2382,7 @@
           <a:p>
             <a:fld id="{511599FC-64F5-3B4A-A30F-C2B13A816A83}" type="datetimeFigureOut">
               <a:rPr lang="en-US" smtClean="0"/>
-              <a:t>8/19/20</a:t>
+              <a:t>9/9/20</a:t>
             </a:fld>
             <a:endParaRPr lang="en-US"/>
           </a:p>
@@ -2670,7 +2670,7 @@
           <a:p>
             <a:fld id="{511599FC-64F5-3B4A-A30F-C2B13A816A83}" type="datetimeFigureOut">
               <a:rPr lang="en-US" smtClean="0"/>
-              <a:t>8/19/20</a:t>
+              <a:t>9/9/20</a:t>
             </a:fld>
             <a:endParaRPr lang="en-US"/>
           </a:p>
@@ -2911,7 +2911,7 @@
           <a:p>
             <a:fld id="{511599FC-64F5-3B4A-A30F-C2B13A816A83}" type="datetimeFigureOut">
               <a:rPr lang="en-US" smtClean="0"/>
-              <a:t>8/19/20</a:t>
+              <a:t>9/9/20</a:t>
             </a:fld>
             <a:endParaRPr lang="en-US"/>
           </a:p>
@@ -3330,10 +3330,10 @@
       </p:grpSpPr>
       <p:grpSp>
         <p:nvGrpSpPr>
-          <p:cNvPr id="36" name="Group 35">
-            <a:extLst>
-              <a:ext uri="{FF2B5EF4-FFF2-40B4-BE49-F238E27FC236}">
-                <a16:creationId xmlns:a16="http://schemas.microsoft.com/office/drawing/2014/main" id="{4951E652-E09F-CF40-B632-D599D3377302}"/>
+          <p:cNvPr id="2" name="Group 1">
+            <a:extLst>
+              <a:ext uri="{FF2B5EF4-FFF2-40B4-BE49-F238E27FC236}">
+                <a16:creationId xmlns:a16="http://schemas.microsoft.com/office/drawing/2014/main" id="{73558757-48C5-A347-B8ED-F4068EC0207A}"/>
               </a:ext>
             </a:extLst>
           </p:cNvPr>
@@ -3342,339 +3342,18 @@
         </p:nvGrpSpPr>
         <p:grpSpPr>
           <a:xfrm>
-            <a:off x="0" y="-116436"/>
-            <a:ext cx="12845568" cy="8172427"/>
-            <a:chOff x="0" y="-460026"/>
-            <a:chExt cx="12845568" cy="8172427"/>
+            <a:off x="-326784" y="114356"/>
+            <a:ext cx="12842084" cy="8172427"/>
+            <a:chOff x="-326784" y="114356"/>
+            <a:chExt cx="12842084" cy="8172427"/>
           </a:xfrm>
         </p:grpSpPr>
-        <p:grpSp>
-          <p:nvGrpSpPr>
-            <p:cNvPr id="5" name="Group 4">
+        <p:sp>
+          <p:nvSpPr>
+            <p:cNvPr id="29" name="TextBox 28">
               <a:extLst>
                 <a:ext uri="{FF2B5EF4-FFF2-40B4-BE49-F238E27FC236}">
-                  <a16:creationId xmlns:a16="http://schemas.microsoft.com/office/drawing/2014/main" id="{8566C8B7-A1F2-324C-88B5-601EC94109AF}"/>
-                </a:ext>
-              </a:extLst>
-            </p:cNvPr>
-            <p:cNvGrpSpPr/>
-            <p:nvPr/>
-          </p:nvGrpSpPr>
-          <p:grpSpPr>
-            <a:xfrm>
-              <a:off x="0" y="-460026"/>
-              <a:ext cx="12845568" cy="8172427"/>
-              <a:chOff x="0" y="-685495"/>
-              <a:chExt cx="12845568" cy="8172427"/>
-            </a:xfrm>
-          </p:grpSpPr>
-          <p:pic>
-            <p:nvPicPr>
-              <p:cNvPr id="12" name="Picture 11" descr="A screenshot of a cell phone&#10;&#10;Description automatically generated">
-                <a:extLst>
-                  <a:ext uri="{FF2B5EF4-FFF2-40B4-BE49-F238E27FC236}">
-                    <a16:creationId xmlns:a16="http://schemas.microsoft.com/office/drawing/2014/main" id="{5B7D7A74-3178-3941-A23A-2EDB0BE3ACF7}"/>
-                  </a:ext>
-                </a:extLst>
-              </p:cNvPr>
-              <p:cNvPicPr>
-                <a:picLocks noChangeAspect="1"/>
-              </p:cNvPicPr>
-              <p:nvPr/>
-            </p:nvPicPr>
-            <p:blipFill>
-              <a:blip r:embed="rId2"/>
-              <a:stretch>
-                <a:fillRect/>
-              </a:stretch>
-            </p:blipFill>
-            <p:spPr>
-              <a:xfrm>
-                <a:off x="3987813" y="-455665"/>
-                <a:ext cx="4867275" cy="3657600"/>
-              </a:xfrm>
-              <a:prstGeom prst="rect">
-                <a:avLst/>
-              </a:prstGeom>
-            </p:spPr>
-          </p:pic>
-          <p:pic>
-            <p:nvPicPr>
-              <p:cNvPr id="13" name="Picture 12" descr="A screenshot of a cell phone&#10;&#10;Description automatically generated">
-                <a:extLst>
-                  <a:ext uri="{FF2B5EF4-FFF2-40B4-BE49-F238E27FC236}">
-                    <a16:creationId xmlns:a16="http://schemas.microsoft.com/office/drawing/2014/main" id="{9C3ADB9E-E950-6948-BED8-793D0DADB3B2}"/>
-                  </a:ext>
-                </a:extLst>
-              </p:cNvPr>
-              <p:cNvPicPr>
-                <a:picLocks noChangeAspect="1"/>
-              </p:cNvPicPr>
-              <p:nvPr/>
-            </p:nvPicPr>
-            <p:blipFill>
-              <a:blip r:embed="rId3"/>
-              <a:stretch>
-                <a:fillRect/>
-              </a:stretch>
-            </p:blipFill>
-            <p:spPr>
-              <a:xfrm>
-                <a:off x="3990480" y="3831336"/>
-                <a:ext cx="4864608" cy="3655596"/>
-              </a:xfrm>
-              <a:prstGeom prst="rect">
-                <a:avLst/>
-              </a:prstGeom>
-            </p:spPr>
-          </p:pic>
-          <p:cxnSp>
-            <p:nvCxnSpPr>
-              <p:cNvPr id="14" name="Straight Connector 13">
-                <a:extLst>
-                  <a:ext uri="{FF2B5EF4-FFF2-40B4-BE49-F238E27FC236}">
-                    <a16:creationId xmlns:a16="http://schemas.microsoft.com/office/drawing/2014/main" id="{EE55B73D-E65F-F34E-B175-223AEEF90BDF}"/>
-                  </a:ext>
-                </a:extLst>
-              </p:cNvPr>
-              <p:cNvCxnSpPr>
-                <a:cxnSpLocks/>
-              </p:cNvCxnSpPr>
-              <p:nvPr/>
-            </p:nvCxnSpPr>
-            <p:spPr>
-              <a:xfrm>
-                <a:off x="2162827" y="3551483"/>
-                <a:ext cx="8517246" cy="0"/>
-              </a:xfrm>
-              <a:prstGeom prst="line">
-                <a:avLst/>
-              </a:prstGeom>
-              <a:ln w="63500">
-                <a:solidFill>
-                  <a:schemeClr val="tx1"/>
-                </a:solidFill>
-              </a:ln>
-            </p:spPr>
-            <p:style>
-              <a:lnRef idx="1">
-                <a:schemeClr val="accent1"/>
-              </a:lnRef>
-              <a:fillRef idx="0">
-                <a:schemeClr val="accent1"/>
-              </a:fillRef>
-              <a:effectRef idx="0">
-                <a:schemeClr val="accent1"/>
-              </a:effectRef>
-              <a:fontRef idx="minor">
-                <a:schemeClr val="tx1"/>
-              </a:fontRef>
-            </p:style>
-          </p:cxnSp>
-          <p:pic>
-            <p:nvPicPr>
-              <p:cNvPr id="15" name="Picture 14" descr="A screenshot of a cell phone&#10;&#10;Description automatically generated">
-                <a:extLst>
-                  <a:ext uri="{FF2B5EF4-FFF2-40B4-BE49-F238E27FC236}">
-                    <a16:creationId xmlns:a16="http://schemas.microsoft.com/office/drawing/2014/main" id="{90B138E7-725F-F94B-8EA9-1F0DD036A54E}"/>
-                  </a:ext>
-                </a:extLst>
-              </p:cNvPr>
-              <p:cNvPicPr>
-                <a:picLocks noChangeAspect="1"/>
-              </p:cNvPicPr>
-              <p:nvPr/>
-            </p:nvPicPr>
-            <p:blipFill>
-              <a:blip r:embed="rId4"/>
-              <a:stretch>
-                <a:fillRect/>
-              </a:stretch>
-            </p:blipFill>
-            <p:spPr>
-              <a:xfrm>
-                <a:off x="0" y="-453661"/>
-                <a:ext cx="4864608" cy="3655596"/>
-              </a:xfrm>
-              <a:prstGeom prst="rect">
-                <a:avLst/>
-              </a:prstGeom>
-            </p:spPr>
-          </p:pic>
-          <p:pic>
-            <p:nvPicPr>
-              <p:cNvPr id="16" name="Picture 15" descr="A screenshot of a cell phone&#10;&#10;Description automatically generated">
-                <a:extLst>
-                  <a:ext uri="{FF2B5EF4-FFF2-40B4-BE49-F238E27FC236}">
-                    <a16:creationId xmlns:a16="http://schemas.microsoft.com/office/drawing/2014/main" id="{AF1590D2-4321-C243-98D0-3718570D0D37}"/>
-                  </a:ext>
-                </a:extLst>
-              </p:cNvPr>
-              <p:cNvPicPr>
-                <a:picLocks noChangeAspect="1"/>
-              </p:cNvPicPr>
-              <p:nvPr/>
-            </p:nvPicPr>
-            <p:blipFill>
-              <a:blip r:embed="rId5"/>
-              <a:stretch>
-                <a:fillRect/>
-              </a:stretch>
-            </p:blipFill>
-            <p:spPr>
-              <a:xfrm>
-                <a:off x="0" y="3831336"/>
-                <a:ext cx="4864608" cy="3655596"/>
-              </a:xfrm>
-              <a:prstGeom prst="rect">
-                <a:avLst/>
-              </a:prstGeom>
-            </p:spPr>
-          </p:pic>
-          <p:pic>
-            <p:nvPicPr>
-              <p:cNvPr id="17" name="Picture 16" descr="A screenshot of a cell phone&#10;&#10;Description automatically generated">
-                <a:extLst>
-                  <a:ext uri="{FF2B5EF4-FFF2-40B4-BE49-F238E27FC236}">
-                    <a16:creationId xmlns:a16="http://schemas.microsoft.com/office/drawing/2014/main" id="{F9FB785B-4C74-B847-9205-088CB189A9E6}"/>
-                  </a:ext>
-                </a:extLst>
-              </p:cNvPr>
-              <p:cNvPicPr>
-                <a:picLocks noChangeAspect="1"/>
-              </p:cNvPicPr>
-              <p:nvPr/>
-            </p:nvPicPr>
-            <p:blipFill>
-              <a:blip r:embed="rId6"/>
-              <a:stretch>
-                <a:fillRect/>
-              </a:stretch>
-            </p:blipFill>
-            <p:spPr>
-              <a:xfrm>
-                <a:off x="7980960" y="-453661"/>
-                <a:ext cx="4864608" cy="3655596"/>
-              </a:xfrm>
-              <a:prstGeom prst="rect">
-                <a:avLst/>
-              </a:prstGeom>
-            </p:spPr>
-          </p:pic>
-          <p:pic>
-            <p:nvPicPr>
-              <p:cNvPr id="18" name="Picture 17" descr="A screenshot of a cell phone&#10;&#10;Description automatically generated">
-                <a:extLst>
-                  <a:ext uri="{FF2B5EF4-FFF2-40B4-BE49-F238E27FC236}">
-                    <a16:creationId xmlns:a16="http://schemas.microsoft.com/office/drawing/2014/main" id="{9793A2E4-9542-D243-8855-722310E3FEAC}"/>
-                  </a:ext>
-                </a:extLst>
-              </p:cNvPr>
-              <p:cNvPicPr>
-                <a:picLocks noChangeAspect="1"/>
-              </p:cNvPicPr>
-              <p:nvPr/>
-            </p:nvPicPr>
-            <p:blipFill>
-              <a:blip r:embed="rId7"/>
-              <a:stretch>
-                <a:fillRect/>
-              </a:stretch>
-            </p:blipFill>
-            <p:spPr>
-              <a:xfrm>
-                <a:off x="7980960" y="3831336"/>
-                <a:ext cx="4864608" cy="3655596"/>
-              </a:xfrm>
-              <a:prstGeom prst="rect">
-                <a:avLst/>
-              </a:prstGeom>
-            </p:spPr>
-          </p:pic>
-          <p:sp>
-            <p:nvSpPr>
-              <p:cNvPr id="19" name="TextBox 18">
-                <a:extLst>
-                  <a:ext uri="{FF2B5EF4-FFF2-40B4-BE49-F238E27FC236}">
-                    <a16:creationId xmlns:a16="http://schemas.microsoft.com/office/drawing/2014/main" id="{E89742E0-6D52-8B46-BC8D-F0F37843A8F1}"/>
-                  </a:ext>
-                </a:extLst>
-              </p:cNvPr>
-              <p:cNvSpPr txBox="1"/>
-              <p:nvPr/>
-            </p:nvSpPr>
-            <p:spPr>
-              <a:xfrm>
-                <a:off x="0" y="3600503"/>
-                <a:ext cx="2807368" cy="461665"/>
-              </a:xfrm>
-              <a:prstGeom prst="rect">
-                <a:avLst/>
-              </a:prstGeom>
-              <a:noFill/>
-            </p:spPr>
-            <p:txBody>
-              <a:bodyPr wrap="square" rtlCol="0">
-                <a:spAutoFit/>
-              </a:bodyPr>
-              <a:lstStyle/>
-              <a:p>
-                <a:r>
-                  <a:rPr lang="en-US" sz="2400" dirty="0">
-                    <a:latin typeface="Helvetica" pitchFamily="2" charset="0"/>
-                  </a:rPr>
-                  <a:t>Confirmatory</a:t>
-                </a:r>
-                <a:endParaRPr lang="en-US" sz="2000" dirty="0">
-                  <a:latin typeface="Helvetica" pitchFamily="2" charset="0"/>
-                </a:endParaRPr>
-              </a:p>
-            </p:txBody>
-          </p:sp>
-          <p:sp>
-            <p:nvSpPr>
-              <p:cNvPr id="20" name="TextBox 19">
-                <a:extLst>
-                  <a:ext uri="{FF2B5EF4-FFF2-40B4-BE49-F238E27FC236}">
-                    <a16:creationId xmlns:a16="http://schemas.microsoft.com/office/drawing/2014/main" id="{65FE2DD2-856F-D941-A33D-1FC014284091}"/>
-                  </a:ext>
-                </a:extLst>
-              </p:cNvPr>
-              <p:cNvSpPr txBox="1"/>
-              <p:nvPr/>
-            </p:nvSpPr>
-            <p:spPr>
-              <a:xfrm>
-                <a:off x="0" y="-685495"/>
-                <a:ext cx="2807368" cy="461665"/>
-              </a:xfrm>
-              <a:prstGeom prst="rect">
-                <a:avLst/>
-              </a:prstGeom>
-              <a:noFill/>
-            </p:spPr>
-            <p:txBody>
-              <a:bodyPr wrap="square" rtlCol="0">
-                <a:spAutoFit/>
-              </a:bodyPr>
-              <a:lstStyle/>
-              <a:p>
-                <a:r>
-                  <a:rPr lang="en-US" sz="2400" dirty="0">
-                    <a:latin typeface="Helvetica" pitchFamily="2" charset="0"/>
-                  </a:rPr>
-                  <a:t>Exploratory</a:t>
-                </a:r>
-              </a:p>
-            </p:txBody>
-          </p:sp>
-        </p:grpSp>
-        <p:sp>
-          <p:nvSpPr>
-            <p:cNvPr id="7" name="TextBox 6">
-              <a:extLst>
-                <a:ext uri="{FF2B5EF4-FFF2-40B4-BE49-F238E27FC236}">
-                  <a16:creationId xmlns:a16="http://schemas.microsoft.com/office/drawing/2014/main" id="{6F8E10FF-2F36-8F41-B5E5-340AAD7B87B4}"/>
+                  <a16:creationId xmlns:a16="http://schemas.microsoft.com/office/drawing/2014/main" id="{27FA8F6F-57D4-E845-9595-E5DD05CA9764}"/>
                 </a:ext>
               </a:extLst>
             </p:cNvPr>
@@ -3683,7 +3362,7 @@
           </p:nvSpPr>
           <p:spPr>
             <a:xfrm>
-              <a:off x="6158679" y="-264538"/>
+              <a:off x="5837375" y="305035"/>
               <a:ext cx="612129" cy="276999"/>
             </a:xfrm>
             <a:prstGeom prst="rect">
@@ -3714,10 +3393,10 @@
         </p:sp>
         <p:sp>
           <p:nvSpPr>
-            <p:cNvPr id="8" name="TextBox 7">
+            <p:cNvPr id="31" name="TextBox 30">
               <a:extLst>
                 <a:ext uri="{FF2B5EF4-FFF2-40B4-BE49-F238E27FC236}">
-                  <a16:creationId xmlns:a16="http://schemas.microsoft.com/office/drawing/2014/main" id="{65F80975-855B-3942-8C96-71D8146A90EB}"/>
+                  <a16:creationId xmlns:a16="http://schemas.microsoft.com/office/drawing/2014/main" id="{67A2F3F1-85D1-174F-8CC8-61231FFC9291}"/>
                 </a:ext>
               </a:extLst>
             </p:cNvPr>
@@ -3726,7 +3405,7 @@
           </p:nvSpPr>
           <p:spPr>
             <a:xfrm>
-              <a:off x="2213405" y="-264538"/>
+              <a:off x="1892101" y="305035"/>
               <a:ext cx="612129" cy="276999"/>
             </a:xfrm>
             <a:prstGeom prst="rect">
@@ -3757,10 +3436,10 @@
         </p:sp>
         <p:sp>
           <p:nvSpPr>
-            <p:cNvPr id="9" name="TextBox 8">
+            <p:cNvPr id="32" name="TextBox 31">
               <a:extLst>
                 <a:ext uri="{FF2B5EF4-FFF2-40B4-BE49-F238E27FC236}">
-                  <a16:creationId xmlns:a16="http://schemas.microsoft.com/office/drawing/2014/main" id="{81A1FCB3-1E0B-3849-9D69-4B235E51BA7D}"/>
+                  <a16:creationId xmlns:a16="http://schemas.microsoft.com/office/drawing/2014/main" id="{89F307D6-5A88-904D-B592-0B9CDE3437EF}"/>
                 </a:ext>
               </a:extLst>
             </p:cNvPr>
@@ -3769,7 +3448,7 @@
           </p:nvSpPr>
           <p:spPr>
             <a:xfrm>
-              <a:off x="2213404" y="4019116"/>
+              <a:off x="1892100" y="4588689"/>
               <a:ext cx="612129" cy="276999"/>
             </a:xfrm>
             <a:prstGeom prst="rect">
@@ -3800,10 +3479,10 @@
         </p:sp>
         <p:sp>
           <p:nvSpPr>
-            <p:cNvPr id="10" name="TextBox 9">
+            <p:cNvPr id="33" name="TextBox 32">
               <a:extLst>
                 <a:ext uri="{FF2B5EF4-FFF2-40B4-BE49-F238E27FC236}">
-                  <a16:creationId xmlns:a16="http://schemas.microsoft.com/office/drawing/2014/main" id="{CD74EE2E-A8F5-174C-AABF-825612C2B38C}"/>
+                  <a16:creationId xmlns:a16="http://schemas.microsoft.com/office/drawing/2014/main" id="{65294E27-265A-E948-A396-6F7A4ABDF040}"/>
                 </a:ext>
               </a:extLst>
             </p:cNvPr>
@@ -3812,7 +3491,7 @@
           </p:nvSpPr>
           <p:spPr>
             <a:xfrm>
-              <a:off x="6179820" y="4007084"/>
+              <a:off x="5858516" y="4576657"/>
               <a:ext cx="612129" cy="276999"/>
             </a:xfrm>
             <a:prstGeom prst="rect">
@@ -3843,10 +3522,10 @@
         </p:sp>
         <p:pic>
           <p:nvPicPr>
-            <p:cNvPr id="22" name="Picture 21" descr="A screenshot of a cell phone&#10;&#10;Description automatically generated">
+            <p:cNvPr id="37" name="Picture 36" descr="A screenshot of a cell phone&#10;&#10;Description automatically generated">
               <a:extLst>
                 <a:ext uri="{FF2B5EF4-FFF2-40B4-BE49-F238E27FC236}">
-                  <a16:creationId xmlns:a16="http://schemas.microsoft.com/office/drawing/2014/main" id="{D097BDBA-F089-8F4C-888E-0AA3DB441EBE}"/>
+                  <a16:creationId xmlns:a16="http://schemas.microsoft.com/office/drawing/2014/main" id="{C8106337-31B5-7146-8CBE-342456408A4E}"/>
                 </a:ext>
               </a:extLst>
             </p:cNvPr>
@@ -3856,13 +3535,13 @@
             <p:nvPr/>
           </p:nvPicPr>
           <p:blipFill rotWithShape="1">
-            <a:blip r:embed="rId8"/>
+            <a:blip r:embed="rId2"/>
             <a:srcRect t="6885"/>
             <a:stretch/>
           </p:blipFill>
           <p:spPr>
             <a:xfrm>
-              <a:off x="0" y="21423"/>
+              <a:off x="-326784" y="595805"/>
               <a:ext cx="4864608" cy="3403364"/>
             </a:xfrm>
             <a:prstGeom prst="rect">
@@ -3872,10 +3551,10 @@
         </p:pic>
         <p:pic>
           <p:nvPicPr>
-            <p:cNvPr id="24" name="Picture 23" descr="A screenshot of a cell phone&#10;&#10;Description automatically generated">
+            <p:cNvPr id="38" name="Picture 37" descr="A screenshot of a cell phone&#10;&#10;Description automatically generated">
               <a:extLst>
                 <a:ext uri="{FF2B5EF4-FFF2-40B4-BE49-F238E27FC236}">
-                  <a16:creationId xmlns:a16="http://schemas.microsoft.com/office/drawing/2014/main" id="{DC6B1E44-C94B-A24D-9261-EF52937D8848}"/>
+                  <a16:creationId xmlns:a16="http://schemas.microsoft.com/office/drawing/2014/main" id="{88FF9063-1E12-624E-B29D-B478A3C642A4}"/>
                 </a:ext>
               </a:extLst>
             </p:cNvPr>
@@ -3885,13 +3564,13 @@
             <p:nvPr/>
           </p:nvPicPr>
           <p:blipFill rotWithShape="1">
-            <a:blip r:embed="rId9"/>
+            <a:blip r:embed="rId3"/>
             <a:srcRect t="7032"/>
             <a:stretch/>
           </p:blipFill>
           <p:spPr>
             <a:xfrm>
-              <a:off x="0" y="4314020"/>
+              <a:off x="-326784" y="4888402"/>
               <a:ext cx="4865225" cy="3398381"/>
             </a:xfrm>
             <a:prstGeom prst="rect">
@@ -3901,10 +3580,10 @@
         </p:pic>
         <p:pic>
           <p:nvPicPr>
-            <p:cNvPr id="26" name="Picture 25" descr="A screenshot of a cell phone&#10;&#10;Description automatically generated">
+            <p:cNvPr id="39" name="Picture 38" descr="A screenshot of a cell phone&#10;&#10;Description automatically generated">
               <a:extLst>
                 <a:ext uri="{FF2B5EF4-FFF2-40B4-BE49-F238E27FC236}">
-                  <a16:creationId xmlns:a16="http://schemas.microsoft.com/office/drawing/2014/main" id="{9DA19C68-8F7B-8640-B2A6-DEA4F03161B5}"/>
+                  <a16:creationId xmlns:a16="http://schemas.microsoft.com/office/drawing/2014/main" id="{ADA671D1-EFA5-1C4F-9D98-A78799F697BE}"/>
                 </a:ext>
               </a:extLst>
             </p:cNvPr>
@@ -3914,13 +3593,13 @@
             <p:nvPr/>
           </p:nvPicPr>
           <p:blipFill rotWithShape="1">
-            <a:blip r:embed="rId10"/>
+            <a:blip r:embed="rId4"/>
             <a:srcRect t="6812"/>
             <a:stretch/>
           </p:blipFill>
           <p:spPr>
             <a:xfrm>
-              <a:off x="3940921" y="21423"/>
+              <a:off x="3614137" y="595805"/>
               <a:ext cx="4868093" cy="3408416"/>
             </a:xfrm>
             <a:prstGeom prst="rect">
@@ -3930,10 +3609,10 @@
         </p:pic>
         <p:pic>
           <p:nvPicPr>
-            <p:cNvPr id="30" name="Picture 29" descr="A screenshot of a cell phone&#10;&#10;Description automatically generated">
+            <p:cNvPr id="40" name="Picture 39" descr="A screenshot of a cell phone&#10;&#10;Description automatically generated">
               <a:extLst>
                 <a:ext uri="{FF2B5EF4-FFF2-40B4-BE49-F238E27FC236}">
-                  <a16:creationId xmlns:a16="http://schemas.microsoft.com/office/drawing/2014/main" id="{D770DFB2-320D-704E-8373-5AF5EAAA4456}"/>
+                  <a16:creationId xmlns:a16="http://schemas.microsoft.com/office/drawing/2014/main" id="{0A2029F0-7D65-3E45-B046-1D7319EA0464}"/>
                 </a:ext>
               </a:extLst>
             </p:cNvPr>
@@ -3943,14 +3622,14 @@
             <p:nvPr/>
           </p:nvPicPr>
           <p:blipFill>
-            <a:blip r:embed="rId11"/>
+            <a:blip r:embed="rId5"/>
             <a:stretch>
               <a:fillRect/>
             </a:stretch>
           </p:blipFill>
           <p:spPr>
             <a:xfrm>
-              <a:off x="7977474" y="-230197"/>
+              <a:off x="7650690" y="344185"/>
               <a:ext cx="4864610" cy="3654984"/>
             </a:xfrm>
             <a:prstGeom prst="rect">
@@ -3960,10 +3639,10 @@
         </p:pic>
         <p:pic>
           <p:nvPicPr>
-            <p:cNvPr id="28" name="Picture 27" descr="A screenshot of a cell phone&#10;&#10;Description automatically generated">
+            <p:cNvPr id="41" name="Picture 40" descr="A screenshot of a cell phone&#10;&#10;Description automatically generated">
               <a:extLst>
                 <a:ext uri="{FF2B5EF4-FFF2-40B4-BE49-F238E27FC236}">
-                  <a16:creationId xmlns:a16="http://schemas.microsoft.com/office/drawing/2014/main" id="{DBD5CA6E-7846-584F-9774-CBEDDA33DBF7}"/>
+                  <a16:creationId xmlns:a16="http://schemas.microsoft.com/office/drawing/2014/main" id="{A9CEE139-F114-3F4D-A094-70671DC1D006}"/>
                 </a:ext>
               </a:extLst>
             </p:cNvPr>
@@ -3973,13 +3652,13 @@
             <p:nvPr/>
           </p:nvPicPr>
           <p:blipFill rotWithShape="1">
-            <a:blip r:embed="rId12"/>
+            <a:blip r:embed="rId6"/>
             <a:srcRect t="6930"/>
             <a:stretch/>
           </p:blipFill>
           <p:spPr>
             <a:xfrm>
-              <a:off x="3965694" y="4287637"/>
+              <a:off x="3638910" y="4862019"/>
               <a:ext cx="4868093" cy="3404132"/>
             </a:xfrm>
             <a:prstGeom prst="rect">
@@ -3989,10 +3668,10 @@
         </p:pic>
         <p:pic>
           <p:nvPicPr>
-            <p:cNvPr id="34" name="Picture 33" descr="A screenshot of a cell phone&#10;&#10;Description automatically generated">
+            <p:cNvPr id="42" name="Picture 41" descr="A screenshot of a cell phone&#10;&#10;Description automatically generated">
               <a:extLst>
                 <a:ext uri="{FF2B5EF4-FFF2-40B4-BE49-F238E27FC236}">
-                  <a16:creationId xmlns:a16="http://schemas.microsoft.com/office/drawing/2014/main" id="{C317780B-0613-6D47-966E-76ACE6F808BE}"/>
+                  <a16:creationId xmlns:a16="http://schemas.microsoft.com/office/drawing/2014/main" id="{C39EA8DE-032B-AB4B-A6D3-98A45F85DC1D}"/>
                 </a:ext>
               </a:extLst>
             </p:cNvPr>
@@ -4002,14 +3681,14 @@
             <p:nvPr/>
           </p:nvPicPr>
           <p:blipFill>
-            <a:blip r:embed="rId13"/>
+            <a:blip r:embed="rId7"/>
             <a:stretch>
               <a:fillRect/>
             </a:stretch>
           </p:blipFill>
           <p:spPr>
             <a:xfrm>
-              <a:off x="7973990" y="4028523"/>
+              <a:off x="7647206" y="4602905"/>
               <a:ext cx="4868094" cy="3657602"/>
             </a:xfrm>
             <a:prstGeom prst="rect">
@@ -4019,10 +3698,10 @@
         </p:pic>
         <p:sp>
           <p:nvSpPr>
-            <p:cNvPr id="6" name="TextBox 5">
+            <p:cNvPr id="43" name="TextBox 42">
               <a:extLst>
                 <a:ext uri="{FF2B5EF4-FFF2-40B4-BE49-F238E27FC236}">
-                  <a16:creationId xmlns:a16="http://schemas.microsoft.com/office/drawing/2014/main" id="{BA5AAE14-037F-1D4F-A078-F44849CFB424}"/>
+                  <a16:creationId xmlns:a16="http://schemas.microsoft.com/office/drawing/2014/main" id="{7C055FF8-AA70-4440-BA8C-22B751D12EC6}"/>
                 </a:ext>
               </a:extLst>
             </p:cNvPr>
@@ -4031,7 +3710,7 @@
           </p:nvSpPr>
           <p:spPr>
             <a:xfrm>
-              <a:off x="9978595" y="-264538"/>
+              <a:off x="9657291" y="305035"/>
               <a:ext cx="612129" cy="276999"/>
             </a:xfrm>
             <a:prstGeom prst="rect">
@@ -4062,10 +3741,10 @@
         </p:sp>
         <p:sp>
           <p:nvSpPr>
-            <p:cNvPr id="35" name="TextBox 34">
+            <p:cNvPr id="44" name="TextBox 43">
               <a:extLst>
                 <a:ext uri="{FF2B5EF4-FFF2-40B4-BE49-F238E27FC236}">
-                  <a16:creationId xmlns:a16="http://schemas.microsoft.com/office/drawing/2014/main" id="{87D863A7-1E89-CC49-93AC-98BBED8DA084}"/>
+                  <a16:creationId xmlns:a16="http://schemas.microsoft.com/office/drawing/2014/main" id="{C2A36FAF-0AAD-1244-9419-C419B6F488AC}"/>
                 </a:ext>
               </a:extLst>
             </p:cNvPr>
@@ -4074,7 +3753,7 @@
           </p:nvSpPr>
           <p:spPr>
             <a:xfrm>
-              <a:off x="10002104" y="3997657"/>
+              <a:off x="9680800" y="4567230"/>
               <a:ext cx="612129" cy="276999"/>
             </a:xfrm>
             <a:prstGeom prst="rect">
@@ -4103,27 +3782,6 @@
             </a:p>
           </p:txBody>
         </p:sp>
-      </p:grpSp>
-      <p:grpSp>
-        <p:nvGrpSpPr>
-          <p:cNvPr id="25" name="Group 24">
-            <a:extLst>
-              <a:ext uri="{FF2B5EF4-FFF2-40B4-BE49-F238E27FC236}">
-                <a16:creationId xmlns:a16="http://schemas.microsoft.com/office/drawing/2014/main" id="{6D6C1D04-47C4-D742-9557-86B32CB5A8BE}"/>
-              </a:ext>
-            </a:extLst>
-          </p:cNvPr>
-          <p:cNvGrpSpPr/>
-          <p:nvPr/>
-        </p:nvGrpSpPr>
-        <p:grpSpPr>
-          <a:xfrm>
-            <a:off x="0" y="-104404"/>
-            <a:ext cx="12845568" cy="8172427"/>
-            <a:chOff x="0" y="-460026"/>
-            <a:chExt cx="12845568" cy="8172427"/>
-          </a:xfrm>
-        </p:grpSpPr>
         <p:grpSp>
           <p:nvGrpSpPr>
             <p:cNvPr id="27" name="Group 26">
@@ -4138,72 +3796,12 @@
           </p:nvGrpSpPr>
           <p:grpSpPr>
             <a:xfrm>
-              <a:off x="0" y="-460026"/>
-              <a:ext cx="12845568" cy="8172427"/>
+              <a:off x="-326784" y="114356"/>
+              <a:ext cx="10680073" cy="4747663"/>
               <a:chOff x="0" y="-685495"/>
-              <a:chExt cx="12845568" cy="8172427"/>
+              <a:chExt cx="10680073" cy="4747663"/>
             </a:xfrm>
           </p:grpSpPr>
-          <p:pic>
-            <p:nvPicPr>
-              <p:cNvPr id="45" name="Picture 44" descr="A screenshot of a cell phone&#10;&#10;Description automatically generated">
-                <a:extLst>
-                  <a:ext uri="{FF2B5EF4-FFF2-40B4-BE49-F238E27FC236}">
-                    <a16:creationId xmlns:a16="http://schemas.microsoft.com/office/drawing/2014/main" id="{96A6F7E4-7B1B-1F47-8D8F-A6E14CA0D2DF}"/>
-                  </a:ext>
-                </a:extLst>
-              </p:cNvPr>
-              <p:cNvPicPr>
-                <a:picLocks noChangeAspect="1"/>
-              </p:cNvPicPr>
-              <p:nvPr/>
-            </p:nvPicPr>
-            <p:blipFill>
-              <a:blip r:embed="rId2"/>
-              <a:stretch>
-                <a:fillRect/>
-              </a:stretch>
-            </p:blipFill>
-            <p:spPr>
-              <a:xfrm>
-                <a:off x="3987813" y="-455665"/>
-                <a:ext cx="4867275" cy="3657600"/>
-              </a:xfrm>
-              <a:prstGeom prst="rect">
-                <a:avLst/>
-              </a:prstGeom>
-            </p:spPr>
-          </p:pic>
-          <p:pic>
-            <p:nvPicPr>
-              <p:cNvPr id="46" name="Picture 45" descr="A screenshot of a cell phone&#10;&#10;Description automatically generated">
-                <a:extLst>
-                  <a:ext uri="{FF2B5EF4-FFF2-40B4-BE49-F238E27FC236}">
-                    <a16:creationId xmlns:a16="http://schemas.microsoft.com/office/drawing/2014/main" id="{5E76E25B-1E52-DF40-8E55-36EA6D191837}"/>
-                  </a:ext>
-                </a:extLst>
-              </p:cNvPr>
-              <p:cNvPicPr>
-                <a:picLocks noChangeAspect="1"/>
-              </p:cNvPicPr>
-              <p:nvPr/>
-            </p:nvPicPr>
-            <p:blipFill>
-              <a:blip r:embed="rId3"/>
-              <a:stretch>
-                <a:fillRect/>
-              </a:stretch>
-            </p:blipFill>
-            <p:spPr>
-              <a:xfrm>
-                <a:off x="3990480" y="3831336"/>
-                <a:ext cx="4864608" cy="3655596"/>
-              </a:xfrm>
-              <a:prstGeom prst="rect">
-                <a:avLst/>
-              </a:prstGeom>
-            </p:spPr>
-          </p:pic>
           <p:cxnSp>
             <p:nvCxnSpPr>
               <p:cNvPr id="47" name="Straight Connector 46">
@@ -4247,126 +3845,6 @@
               </a:fontRef>
             </p:style>
           </p:cxnSp>
-          <p:pic>
-            <p:nvPicPr>
-              <p:cNvPr id="48" name="Picture 47" descr="A screenshot of a cell phone&#10;&#10;Description automatically generated">
-                <a:extLst>
-                  <a:ext uri="{FF2B5EF4-FFF2-40B4-BE49-F238E27FC236}">
-                    <a16:creationId xmlns:a16="http://schemas.microsoft.com/office/drawing/2014/main" id="{2225F716-0D1C-F84B-9180-32A01BA59A83}"/>
-                  </a:ext>
-                </a:extLst>
-              </p:cNvPr>
-              <p:cNvPicPr>
-                <a:picLocks noChangeAspect="1"/>
-              </p:cNvPicPr>
-              <p:nvPr/>
-            </p:nvPicPr>
-            <p:blipFill>
-              <a:blip r:embed="rId4"/>
-              <a:stretch>
-                <a:fillRect/>
-              </a:stretch>
-            </p:blipFill>
-            <p:spPr>
-              <a:xfrm>
-                <a:off x="0" y="-453661"/>
-                <a:ext cx="4864608" cy="3655596"/>
-              </a:xfrm>
-              <a:prstGeom prst="rect">
-                <a:avLst/>
-              </a:prstGeom>
-            </p:spPr>
-          </p:pic>
-          <p:pic>
-            <p:nvPicPr>
-              <p:cNvPr id="49" name="Picture 48" descr="A screenshot of a cell phone&#10;&#10;Description automatically generated">
-                <a:extLst>
-                  <a:ext uri="{FF2B5EF4-FFF2-40B4-BE49-F238E27FC236}">
-                    <a16:creationId xmlns:a16="http://schemas.microsoft.com/office/drawing/2014/main" id="{A11EC76D-7A6E-7049-9857-52E054420056}"/>
-                  </a:ext>
-                </a:extLst>
-              </p:cNvPr>
-              <p:cNvPicPr>
-                <a:picLocks noChangeAspect="1"/>
-              </p:cNvPicPr>
-              <p:nvPr/>
-            </p:nvPicPr>
-            <p:blipFill>
-              <a:blip r:embed="rId5"/>
-              <a:stretch>
-                <a:fillRect/>
-              </a:stretch>
-            </p:blipFill>
-            <p:spPr>
-              <a:xfrm>
-                <a:off x="0" y="3831336"/>
-                <a:ext cx="4864608" cy="3655596"/>
-              </a:xfrm>
-              <a:prstGeom prst="rect">
-                <a:avLst/>
-              </a:prstGeom>
-            </p:spPr>
-          </p:pic>
-          <p:pic>
-            <p:nvPicPr>
-              <p:cNvPr id="50" name="Picture 49" descr="A screenshot of a cell phone&#10;&#10;Description automatically generated">
-                <a:extLst>
-                  <a:ext uri="{FF2B5EF4-FFF2-40B4-BE49-F238E27FC236}">
-                    <a16:creationId xmlns:a16="http://schemas.microsoft.com/office/drawing/2014/main" id="{E2E67152-7978-5449-8362-088B58EF2F41}"/>
-                  </a:ext>
-                </a:extLst>
-              </p:cNvPr>
-              <p:cNvPicPr>
-                <a:picLocks noChangeAspect="1"/>
-              </p:cNvPicPr>
-              <p:nvPr/>
-            </p:nvPicPr>
-            <p:blipFill>
-              <a:blip r:embed="rId6"/>
-              <a:stretch>
-                <a:fillRect/>
-              </a:stretch>
-            </p:blipFill>
-            <p:spPr>
-              <a:xfrm>
-                <a:off x="7980960" y="-453661"/>
-                <a:ext cx="4864608" cy="3655596"/>
-              </a:xfrm>
-              <a:prstGeom prst="rect">
-                <a:avLst/>
-              </a:prstGeom>
-            </p:spPr>
-          </p:pic>
-          <p:pic>
-            <p:nvPicPr>
-              <p:cNvPr id="51" name="Picture 50" descr="A screenshot of a cell phone&#10;&#10;Description automatically generated">
-                <a:extLst>
-                  <a:ext uri="{FF2B5EF4-FFF2-40B4-BE49-F238E27FC236}">
-                    <a16:creationId xmlns:a16="http://schemas.microsoft.com/office/drawing/2014/main" id="{B5A5BF1B-1184-284A-8B36-E54167607E2F}"/>
-                  </a:ext>
-                </a:extLst>
-              </p:cNvPr>
-              <p:cNvPicPr>
-                <a:picLocks noChangeAspect="1"/>
-              </p:cNvPicPr>
-              <p:nvPr/>
-            </p:nvPicPr>
-            <p:blipFill>
-              <a:blip r:embed="rId7"/>
-              <a:stretch>
-                <a:fillRect/>
-              </a:stretch>
-            </p:blipFill>
-            <p:spPr>
-              <a:xfrm>
-                <a:off x="7980960" y="3831336"/>
-                <a:ext cx="4864608" cy="3655596"/>
-              </a:xfrm>
-              <a:prstGeom prst="rect">
-                <a:avLst/>
-              </a:prstGeom>
-            </p:spPr>
-          </p:pic>
           <p:sp>
             <p:nvSpPr>
               <p:cNvPr id="52" name="TextBox 51">
@@ -4445,440 +3923,6 @@
             </p:txBody>
           </p:sp>
         </p:grpSp>
-        <p:sp>
-          <p:nvSpPr>
-            <p:cNvPr id="29" name="TextBox 28">
-              <a:extLst>
-                <a:ext uri="{FF2B5EF4-FFF2-40B4-BE49-F238E27FC236}">
-                  <a16:creationId xmlns:a16="http://schemas.microsoft.com/office/drawing/2014/main" id="{27FA8F6F-57D4-E845-9595-E5DD05CA9764}"/>
-                </a:ext>
-              </a:extLst>
-            </p:cNvPr>
-            <p:cNvSpPr txBox="1"/>
-            <p:nvPr/>
-          </p:nvSpPr>
-          <p:spPr>
-            <a:xfrm>
-              <a:off x="6158679" y="-264538"/>
-              <a:ext cx="612129" cy="276999"/>
-            </a:xfrm>
-            <a:prstGeom prst="rect">
-              <a:avLst/>
-            </a:prstGeom>
-            <a:solidFill>
-              <a:schemeClr val="bg1"/>
-            </a:solidFill>
-          </p:spPr>
-          <p:txBody>
-            <a:bodyPr wrap="square" rtlCol="0">
-              <a:spAutoFit/>
-            </a:bodyPr>
-            <a:lstStyle/>
-            <a:p>
-              <a:pPr algn="ctr"/>
-              <a:r>
-                <a:rPr lang="en-US" sz="1200" dirty="0" err="1">
-                  <a:latin typeface="Helvetica" pitchFamily="2" charset="0"/>
-                </a:rPr>
-                <a:t>SøR</a:t>
-              </a:r>
-              <a:endParaRPr lang="en-US" dirty="0">
-                <a:latin typeface="Helvetica" pitchFamily="2" charset="0"/>
-              </a:endParaRPr>
-            </a:p>
-          </p:txBody>
-        </p:sp>
-        <p:sp>
-          <p:nvSpPr>
-            <p:cNvPr id="31" name="TextBox 30">
-              <a:extLst>
-                <a:ext uri="{FF2B5EF4-FFF2-40B4-BE49-F238E27FC236}">
-                  <a16:creationId xmlns:a16="http://schemas.microsoft.com/office/drawing/2014/main" id="{67A2F3F1-85D1-174F-8CC8-61231FFC9291}"/>
-                </a:ext>
-              </a:extLst>
-            </p:cNvPr>
-            <p:cNvSpPr txBox="1"/>
-            <p:nvPr/>
-          </p:nvSpPr>
-          <p:spPr>
-            <a:xfrm>
-              <a:off x="2213405" y="-264538"/>
-              <a:ext cx="612129" cy="276999"/>
-            </a:xfrm>
-            <a:prstGeom prst="rect">
-              <a:avLst/>
-            </a:prstGeom>
-            <a:solidFill>
-              <a:schemeClr val="bg1"/>
-            </a:solidFill>
-          </p:spPr>
-          <p:txBody>
-            <a:bodyPr wrap="square" rtlCol="0">
-              <a:spAutoFit/>
-            </a:bodyPr>
-            <a:lstStyle/>
-            <a:p>
-              <a:pPr algn="ctr"/>
-              <a:r>
-                <a:rPr lang="en-US" sz="1200" dirty="0" err="1">
-                  <a:latin typeface="Helvetica" pitchFamily="2" charset="0"/>
-                </a:rPr>
-                <a:t>øMR</a:t>
-              </a:r>
-              <a:endParaRPr lang="en-US" dirty="0">
-                <a:latin typeface="Helvetica" pitchFamily="2" charset="0"/>
-              </a:endParaRPr>
-            </a:p>
-          </p:txBody>
-        </p:sp>
-        <p:sp>
-          <p:nvSpPr>
-            <p:cNvPr id="32" name="TextBox 31">
-              <a:extLst>
-                <a:ext uri="{FF2B5EF4-FFF2-40B4-BE49-F238E27FC236}">
-                  <a16:creationId xmlns:a16="http://schemas.microsoft.com/office/drawing/2014/main" id="{89F307D6-5A88-904D-B592-0B9CDE3437EF}"/>
-                </a:ext>
-              </a:extLst>
-            </p:cNvPr>
-            <p:cNvSpPr txBox="1"/>
-            <p:nvPr/>
-          </p:nvSpPr>
-          <p:spPr>
-            <a:xfrm>
-              <a:off x="2213404" y="4019116"/>
-              <a:ext cx="612129" cy="276999"/>
-            </a:xfrm>
-            <a:prstGeom prst="rect">
-              <a:avLst/>
-            </a:prstGeom>
-            <a:solidFill>
-              <a:schemeClr val="bg1"/>
-            </a:solidFill>
-          </p:spPr>
-          <p:txBody>
-            <a:bodyPr wrap="square" rtlCol="0">
-              <a:spAutoFit/>
-            </a:bodyPr>
-            <a:lstStyle/>
-            <a:p>
-              <a:pPr algn="ctr"/>
-              <a:r>
-                <a:rPr lang="en-US" sz="1200" dirty="0" err="1">
-                  <a:latin typeface="Helvetica" pitchFamily="2" charset="0"/>
-                </a:rPr>
-                <a:t>øMR</a:t>
-              </a:r>
-              <a:endParaRPr lang="en-US" dirty="0">
-                <a:latin typeface="Helvetica" pitchFamily="2" charset="0"/>
-              </a:endParaRPr>
-            </a:p>
-          </p:txBody>
-        </p:sp>
-        <p:sp>
-          <p:nvSpPr>
-            <p:cNvPr id="33" name="TextBox 32">
-              <a:extLst>
-                <a:ext uri="{FF2B5EF4-FFF2-40B4-BE49-F238E27FC236}">
-                  <a16:creationId xmlns:a16="http://schemas.microsoft.com/office/drawing/2014/main" id="{65294E27-265A-E948-A396-6F7A4ABDF040}"/>
-                </a:ext>
-              </a:extLst>
-            </p:cNvPr>
-            <p:cNvSpPr txBox="1"/>
-            <p:nvPr/>
-          </p:nvSpPr>
-          <p:spPr>
-            <a:xfrm>
-              <a:off x="6179820" y="4007084"/>
-              <a:ext cx="612129" cy="276999"/>
-            </a:xfrm>
-            <a:prstGeom prst="rect">
-              <a:avLst/>
-            </a:prstGeom>
-            <a:solidFill>
-              <a:schemeClr val="bg1"/>
-            </a:solidFill>
-          </p:spPr>
-          <p:txBody>
-            <a:bodyPr wrap="square" rtlCol="0">
-              <a:spAutoFit/>
-            </a:bodyPr>
-            <a:lstStyle/>
-            <a:p>
-              <a:pPr algn="ctr"/>
-              <a:r>
-                <a:rPr lang="en-US" sz="1200" dirty="0" err="1">
-                  <a:latin typeface="Helvetica" pitchFamily="2" charset="0"/>
-                </a:rPr>
-                <a:t>SøR</a:t>
-              </a:r>
-              <a:endParaRPr lang="en-US" dirty="0">
-                <a:latin typeface="Helvetica" pitchFamily="2" charset="0"/>
-              </a:endParaRPr>
-            </a:p>
-          </p:txBody>
-        </p:sp>
-        <p:pic>
-          <p:nvPicPr>
-            <p:cNvPr id="37" name="Picture 36" descr="A screenshot of a cell phone&#10;&#10;Description automatically generated">
-              <a:extLst>
-                <a:ext uri="{FF2B5EF4-FFF2-40B4-BE49-F238E27FC236}">
-                  <a16:creationId xmlns:a16="http://schemas.microsoft.com/office/drawing/2014/main" id="{C8106337-31B5-7146-8CBE-342456408A4E}"/>
-                </a:ext>
-              </a:extLst>
-            </p:cNvPr>
-            <p:cNvPicPr>
-              <a:picLocks noChangeAspect="1"/>
-            </p:cNvPicPr>
-            <p:nvPr/>
-          </p:nvPicPr>
-          <p:blipFill rotWithShape="1">
-            <a:blip r:embed="rId8"/>
-            <a:srcRect t="6885"/>
-            <a:stretch/>
-          </p:blipFill>
-          <p:spPr>
-            <a:xfrm>
-              <a:off x="0" y="21423"/>
-              <a:ext cx="4864608" cy="3403364"/>
-            </a:xfrm>
-            <a:prstGeom prst="rect">
-              <a:avLst/>
-            </a:prstGeom>
-          </p:spPr>
-        </p:pic>
-        <p:pic>
-          <p:nvPicPr>
-            <p:cNvPr id="38" name="Picture 37" descr="A screenshot of a cell phone&#10;&#10;Description automatically generated">
-              <a:extLst>
-                <a:ext uri="{FF2B5EF4-FFF2-40B4-BE49-F238E27FC236}">
-                  <a16:creationId xmlns:a16="http://schemas.microsoft.com/office/drawing/2014/main" id="{88FF9063-1E12-624E-B29D-B478A3C642A4}"/>
-                </a:ext>
-              </a:extLst>
-            </p:cNvPr>
-            <p:cNvPicPr>
-              <a:picLocks noChangeAspect="1"/>
-            </p:cNvPicPr>
-            <p:nvPr/>
-          </p:nvPicPr>
-          <p:blipFill rotWithShape="1">
-            <a:blip r:embed="rId9"/>
-            <a:srcRect t="7032"/>
-            <a:stretch/>
-          </p:blipFill>
-          <p:spPr>
-            <a:xfrm>
-              <a:off x="0" y="4314020"/>
-              <a:ext cx="4865225" cy="3398381"/>
-            </a:xfrm>
-            <a:prstGeom prst="rect">
-              <a:avLst/>
-            </a:prstGeom>
-          </p:spPr>
-        </p:pic>
-        <p:pic>
-          <p:nvPicPr>
-            <p:cNvPr id="39" name="Picture 38" descr="A screenshot of a cell phone&#10;&#10;Description automatically generated">
-              <a:extLst>
-                <a:ext uri="{FF2B5EF4-FFF2-40B4-BE49-F238E27FC236}">
-                  <a16:creationId xmlns:a16="http://schemas.microsoft.com/office/drawing/2014/main" id="{ADA671D1-EFA5-1C4F-9D98-A78799F697BE}"/>
-                </a:ext>
-              </a:extLst>
-            </p:cNvPr>
-            <p:cNvPicPr>
-              <a:picLocks noChangeAspect="1"/>
-            </p:cNvPicPr>
-            <p:nvPr/>
-          </p:nvPicPr>
-          <p:blipFill rotWithShape="1">
-            <a:blip r:embed="rId10"/>
-            <a:srcRect t="6812"/>
-            <a:stretch/>
-          </p:blipFill>
-          <p:spPr>
-            <a:xfrm>
-              <a:off x="3940921" y="21423"/>
-              <a:ext cx="4868093" cy="3408416"/>
-            </a:xfrm>
-            <a:prstGeom prst="rect">
-              <a:avLst/>
-            </a:prstGeom>
-          </p:spPr>
-        </p:pic>
-        <p:pic>
-          <p:nvPicPr>
-            <p:cNvPr id="40" name="Picture 39" descr="A screenshot of a cell phone&#10;&#10;Description automatically generated">
-              <a:extLst>
-                <a:ext uri="{FF2B5EF4-FFF2-40B4-BE49-F238E27FC236}">
-                  <a16:creationId xmlns:a16="http://schemas.microsoft.com/office/drawing/2014/main" id="{0A2029F0-7D65-3E45-B046-1D7319EA0464}"/>
-                </a:ext>
-              </a:extLst>
-            </p:cNvPr>
-            <p:cNvPicPr>
-              <a:picLocks noChangeAspect="1"/>
-            </p:cNvPicPr>
-            <p:nvPr/>
-          </p:nvPicPr>
-          <p:blipFill>
-            <a:blip r:embed="rId11"/>
-            <a:stretch>
-              <a:fillRect/>
-            </a:stretch>
-          </p:blipFill>
-          <p:spPr>
-            <a:xfrm>
-              <a:off x="7977474" y="-230197"/>
-              <a:ext cx="4864610" cy="3654984"/>
-            </a:xfrm>
-            <a:prstGeom prst="rect">
-              <a:avLst/>
-            </a:prstGeom>
-          </p:spPr>
-        </p:pic>
-        <p:pic>
-          <p:nvPicPr>
-            <p:cNvPr id="41" name="Picture 40" descr="A screenshot of a cell phone&#10;&#10;Description automatically generated">
-              <a:extLst>
-                <a:ext uri="{FF2B5EF4-FFF2-40B4-BE49-F238E27FC236}">
-                  <a16:creationId xmlns:a16="http://schemas.microsoft.com/office/drawing/2014/main" id="{A9CEE139-F114-3F4D-A094-70671DC1D006}"/>
-                </a:ext>
-              </a:extLst>
-            </p:cNvPr>
-            <p:cNvPicPr>
-              <a:picLocks noChangeAspect="1"/>
-            </p:cNvPicPr>
-            <p:nvPr/>
-          </p:nvPicPr>
-          <p:blipFill rotWithShape="1">
-            <a:blip r:embed="rId12"/>
-            <a:srcRect t="6930"/>
-            <a:stretch/>
-          </p:blipFill>
-          <p:spPr>
-            <a:xfrm>
-              <a:off x="3965694" y="4287637"/>
-              <a:ext cx="4868093" cy="3404132"/>
-            </a:xfrm>
-            <a:prstGeom prst="rect">
-              <a:avLst/>
-            </a:prstGeom>
-          </p:spPr>
-        </p:pic>
-        <p:pic>
-          <p:nvPicPr>
-            <p:cNvPr id="42" name="Picture 41" descr="A screenshot of a cell phone&#10;&#10;Description automatically generated">
-              <a:extLst>
-                <a:ext uri="{FF2B5EF4-FFF2-40B4-BE49-F238E27FC236}">
-                  <a16:creationId xmlns:a16="http://schemas.microsoft.com/office/drawing/2014/main" id="{C39EA8DE-032B-AB4B-A6D3-98A45F85DC1D}"/>
-                </a:ext>
-              </a:extLst>
-            </p:cNvPr>
-            <p:cNvPicPr>
-              <a:picLocks noChangeAspect="1"/>
-            </p:cNvPicPr>
-            <p:nvPr/>
-          </p:nvPicPr>
-          <p:blipFill>
-            <a:blip r:embed="rId13"/>
-            <a:stretch>
-              <a:fillRect/>
-            </a:stretch>
-          </p:blipFill>
-          <p:spPr>
-            <a:xfrm>
-              <a:off x="7973990" y="4028523"/>
-              <a:ext cx="4868094" cy="3657602"/>
-            </a:xfrm>
-            <a:prstGeom prst="rect">
-              <a:avLst/>
-            </a:prstGeom>
-          </p:spPr>
-        </p:pic>
-        <p:sp>
-          <p:nvSpPr>
-            <p:cNvPr id="43" name="TextBox 42">
-              <a:extLst>
-                <a:ext uri="{FF2B5EF4-FFF2-40B4-BE49-F238E27FC236}">
-                  <a16:creationId xmlns:a16="http://schemas.microsoft.com/office/drawing/2014/main" id="{7C055FF8-AA70-4440-BA8C-22B751D12EC6}"/>
-                </a:ext>
-              </a:extLst>
-            </p:cNvPr>
-            <p:cNvSpPr txBox="1"/>
-            <p:nvPr/>
-          </p:nvSpPr>
-          <p:spPr>
-            <a:xfrm>
-              <a:off x="9978595" y="-264538"/>
-              <a:ext cx="612129" cy="276999"/>
-            </a:xfrm>
-            <a:prstGeom prst="rect">
-              <a:avLst/>
-            </a:prstGeom>
-            <a:solidFill>
-              <a:schemeClr val="bg1"/>
-            </a:solidFill>
-          </p:spPr>
-          <p:txBody>
-            <a:bodyPr wrap="square" rtlCol="0">
-              <a:spAutoFit/>
-            </a:bodyPr>
-            <a:lstStyle/>
-            <a:p>
-              <a:pPr algn="ctr"/>
-              <a:r>
-                <a:rPr lang="en-US" sz="1200" dirty="0" err="1">
-                  <a:latin typeface="Helvetica" pitchFamily="2" charset="0"/>
-                </a:rPr>
-                <a:t>SMø</a:t>
-              </a:r>
-              <a:endParaRPr lang="en-US" dirty="0">
-                <a:latin typeface="Helvetica" pitchFamily="2" charset="0"/>
-              </a:endParaRPr>
-            </a:p>
-          </p:txBody>
-        </p:sp>
-        <p:sp>
-          <p:nvSpPr>
-            <p:cNvPr id="44" name="TextBox 43">
-              <a:extLst>
-                <a:ext uri="{FF2B5EF4-FFF2-40B4-BE49-F238E27FC236}">
-                  <a16:creationId xmlns:a16="http://schemas.microsoft.com/office/drawing/2014/main" id="{C2A36FAF-0AAD-1244-9419-C419B6F488AC}"/>
-                </a:ext>
-              </a:extLst>
-            </p:cNvPr>
-            <p:cNvSpPr txBox="1"/>
-            <p:nvPr/>
-          </p:nvSpPr>
-          <p:spPr>
-            <a:xfrm>
-              <a:off x="10002104" y="3997657"/>
-              <a:ext cx="612129" cy="276999"/>
-            </a:xfrm>
-            <a:prstGeom prst="rect">
-              <a:avLst/>
-            </a:prstGeom>
-            <a:solidFill>
-              <a:schemeClr val="bg1"/>
-            </a:solidFill>
-          </p:spPr>
-          <p:txBody>
-            <a:bodyPr wrap="square" rtlCol="0">
-              <a:spAutoFit/>
-            </a:bodyPr>
-            <a:lstStyle/>
-            <a:p>
-              <a:pPr algn="ctr"/>
-              <a:r>
-                <a:rPr lang="en-US" sz="1200" dirty="0" err="1">
-                  <a:latin typeface="Helvetica" pitchFamily="2" charset="0"/>
-                </a:rPr>
-                <a:t>SMø</a:t>
-              </a:r>
-              <a:endParaRPr lang="en-US" dirty="0">
-                <a:latin typeface="Helvetica" pitchFamily="2" charset="0"/>
-              </a:endParaRPr>
-            </a:p>
-          </p:txBody>
-        </p:sp>
       </p:grpSp>
     </p:spTree>
     <p:extLst>
@@ -4912,10 +3956,10 @@
       </p:grpSpPr>
       <p:grpSp>
         <p:nvGrpSpPr>
-          <p:cNvPr id="45" name="Group 44">
-            <a:extLst>
-              <a:ext uri="{FF2B5EF4-FFF2-40B4-BE49-F238E27FC236}">
-                <a16:creationId xmlns:a16="http://schemas.microsoft.com/office/drawing/2014/main" id="{8AC62DB2-6CF8-3E46-9A63-704B0AA9900A}"/>
+          <p:cNvPr id="27" name="Group 26">
+            <a:extLst>
+              <a:ext uri="{FF2B5EF4-FFF2-40B4-BE49-F238E27FC236}">
+                <a16:creationId xmlns:a16="http://schemas.microsoft.com/office/drawing/2014/main" id="{6FFA9D9B-6504-B742-BC9E-36F0F17D3F17}"/>
               </a:ext>
             </a:extLst>
           </p:cNvPr>
@@ -4925,9 +3969,9 @@
         <p:grpSpPr>
           <a:xfrm>
             <a:off x="-4635" y="-289916"/>
-            <a:ext cx="12857177" cy="8178196"/>
+            <a:ext cx="12857177" cy="8175005"/>
             <a:chOff x="-4635" y="-289916"/>
-            <a:chExt cx="12857177" cy="8178196"/>
+            <a:chExt cx="12857177" cy="8175005"/>
           </a:xfrm>
         </p:grpSpPr>
         <p:grpSp>
@@ -4945,71 +3989,11 @@
           <p:grpSpPr>
             <a:xfrm>
               <a:off x="3487" y="-289916"/>
-              <a:ext cx="12845568" cy="8172427"/>
+              <a:ext cx="10680073" cy="4747663"/>
               <a:chOff x="0" y="-685495"/>
-              <a:chExt cx="12845568" cy="8172427"/>
+              <a:chExt cx="10680073" cy="4747663"/>
             </a:xfrm>
           </p:grpSpPr>
-          <p:pic>
-            <p:nvPicPr>
-              <p:cNvPr id="18" name="Picture 17" descr="A screenshot of a cell phone&#10;&#10;Description automatically generated">
-                <a:extLst>
-                  <a:ext uri="{FF2B5EF4-FFF2-40B4-BE49-F238E27FC236}">
-                    <a16:creationId xmlns:a16="http://schemas.microsoft.com/office/drawing/2014/main" id="{84194744-F201-664F-B1F2-7F5FE896008D}"/>
-                  </a:ext>
-                </a:extLst>
-              </p:cNvPr>
-              <p:cNvPicPr>
-                <a:picLocks noChangeAspect="1"/>
-              </p:cNvPicPr>
-              <p:nvPr/>
-            </p:nvPicPr>
-            <p:blipFill>
-              <a:blip r:embed="rId2"/>
-              <a:stretch>
-                <a:fillRect/>
-              </a:stretch>
-            </p:blipFill>
-            <p:spPr>
-              <a:xfrm>
-                <a:off x="3987813" y="-455665"/>
-                <a:ext cx="4867275" cy="3657600"/>
-              </a:xfrm>
-              <a:prstGeom prst="rect">
-                <a:avLst/>
-              </a:prstGeom>
-            </p:spPr>
-          </p:pic>
-          <p:pic>
-            <p:nvPicPr>
-              <p:cNvPr id="19" name="Picture 18" descr="A screenshot of a cell phone&#10;&#10;Description automatically generated">
-                <a:extLst>
-                  <a:ext uri="{FF2B5EF4-FFF2-40B4-BE49-F238E27FC236}">
-                    <a16:creationId xmlns:a16="http://schemas.microsoft.com/office/drawing/2014/main" id="{B0BA4353-D8B1-5A41-88AD-0221730706AD}"/>
-                  </a:ext>
-                </a:extLst>
-              </p:cNvPr>
-              <p:cNvPicPr>
-                <a:picLocks noChangeAspect="1"/>
-              </p:cNvPicPr>
-              <p:nvPr/>
-            </p:nvPicPr>
-            <p:blipFill>
-              <a:blip r:embed="rId3"/>
-              <a:stretch>
-                <a:fillRect/>
-              </a:stretch>
-            </p:blipFill>
-            <p:spPr>
-              <a:xfrm>
-                <a:off x="3990480" y="3831336"/>
-                <a:ext cx="4864608" cy="3655596"/>
-              </a:xfrm>
-              <a:prstGeom prst="rect">
-                <a:avLst/>
-              </a:prstGeom>
-            </p:spPr>
-          </p:pic>
           <p:cxnSp>
             <p:nvCxnSpPr>
               <p:cNvPr id="20" name="Straight Connector 19">
@@ -5053,126 +4037,6 @@
               </a:fontRef>
             </p:style>
           </p:cxnSp>
-          <p:pic>
-            <p:nvPicPr>
-              <p:cNvPr id="21" name="Picture 20" descr="A screenshot of a cell phone&#10;&#10;Description automatically generated">
-                <a:extLst>
-                  <a:ext uri="{FF2B5EF4-FFF2-40B4-BE49-F238E27FC236}">
-                    <a16:creationId xmlns:a16="http://schemas.microsoft.com/office/drawing/2014/main" id="{D12AB822-A67E-0D45-83D7-0181F5B12D7B}"/>
-                  </a:ext>
-                </a:extLst>
-              </p:cNvPr>
-              <p:cNvPicPr>
-                <a:picLocks noChangeAspect="1"/>
-              </p:cNvPicPr>
-              <p:nvPr/>
-            </p:nvPicPr>
-            <p:blipFill>
-              <a:blip r:embed="rId4"/>
-              <a:stretch>
-                <a:fillRect/>
-              </a:stretch>
-            </p:blipFill>
-            <p:spPr>
-              <a:xfrm>
-                <a:off x="0" y="-453661"/>
-                <a:ext cx="4864608" cy="3655596"/>
-              </a:xfrm>
-              <a:prstGeom prst="rect">
-                <a:avLst/>
-              </a:prstGeom>
-            </p:spPr>
-          </p:pic>
-          <p:pic>
-            <p:nvPicPr>
-              <p:cNvPr id="22" name="Picture 21" descr="A screenshot of a cell phone&#10;&#10;Description automatically generated">
-                <a:extLst>
-                  <a:ext uri="{FF2B5EF4-FFF2-40B4-BE49-F238E27FC236}">
-                    <a16:creationId xmlns:a16="http://schemas.microsoft.com/office/drawing/2014/main" id="{517CDFEA-D053-0442-880A-2968961703B8}"/>
-                  </a:ext>
-                </a:extLst>
-              </p:cNvPr>
-              <p:cNvPicPr>
-                <a:picLocks noChangeAspect="1"/>
-              </p:cNvPicPr>
-              <p:nvPr/>
-            </p:nvPicPr>
-            <p:blipFill>
-              <a:blip r:embed="rId5"/>
-              <a:stretch>
-                <a:fillRect/>
-              </a:stretch>
-            </p:blipFill>
-            <p:spPr>
-              <a:xfrm>
-                <a:off x="0" y="3831336"/>
-                <a:ext cx="4864608" cy="3655596"/>
-              </a:xfrm>
-              <a:prstGeom prst="rect">
-                <a:avLst/>
-              </a:prstGeom>
-            </p:spPr>
-          </p:pic>
-          <p:pic>
-            <p:nvPicPr>
-              <p:cNvPr id="23" name="Picture 22" descr="A screenshot of a cell phone&#10;&#10;Description automatically generated">
-                <a:extLst>
-                  <a:ext uri="{FF2B5EF4-FFF2-40B4-BE49-F238E27FC236}">
-                    <a16:creationId xmlns:a16="http://schemas.microsoft.com/office/drawing/2014/main" id="{F8E615CA-9671-BC4B-958F-B52C8FD03FC9}"/>
-                  </a:ext>
-                </a:extLst>
-              </p:cNvPr>
-              <p:cNvPicPr>
-                <a:picLocks noChangeAspect="1"/>
-              </p:cNvPicPr>
-              <p:nvPr/>
-            </p:nvPicPr>
-            <p:blipFill>
-              <a:blip r:embed="rId6"/>
-              <a:stretch>
-                <a:fillRect/>
-              </a:stretch>
-            </p:blipFill>
-            <p:spPr>
-              <a:xfrm>
-                <a:off x="7980960" y="-453661"/>
-                <a:ext cx="4864608" cy="3655596"/>
-              </a:xfrm>
-              <a:prstGeom prst="rect">
-                <a:avLst/>
-              </a:prstGeom>
-            </p:spPr>
-          </p:pic>
-          <p:pic>
-            <p:nvPicPr>
-              <p:cNvPr id="24" name="Picture 23" descr="A screenshot of a cell phone&#10;&#10;Description automatically generated">
-                <a:extLst>
-                  <a:ext uri="{FF2B5EF4-FFF2-40B4-BE49-F238E27FC236}">
-                    <a16:creationId xmlns:a16="http://schemas.microsoft.com/office/drawing/2014/main" id="{00516657-13F0-F445-819C-4B73FD0CA86F}"/>
-                  </a:ext>
-                </a:extLst>
-              </p:cNvPr>
-              <p:cNvPicPr>
-                <a:picLocks noChangeAspect="1"/>
-              </p:cNvPicPr>
-              <p:nvPr/>
-            </p:nvPicPr>
-            <p:blipFill>
-              <a:blip r:embed="rId7"/>
-              <a:stretch>
-                <a:fillRect/>
-              </a:stretch>
-            </p:blipFill>
-            <p:spPr>
-              <a:xfrm>
-                <a:off x="7980960" y="3831336"/>
-                <a:ext cx="4864608" cy="3655596"/>
-              </a:xfrm>
-              <a:prstGeom prst="rect">
-                <a:avLst/>
-              </a:prstGeom>
-            </p:spPr>
-          </p:pic>
           <p:sp>
             <p:nvSpPr>
               <p:cNvPr id="25" name="TextBox 24">
@@ -5247,6 +4111,374 @@
                   </a:rPr>
                   <a:t>Exploratory</a:t>
                 </a:r>
+              </a:p>
+            </p:txBody>
+          </p:sp>
+        </p:grpSp>
+        <p:pic>
+          <p:nvPicPr>
+            <p:cNvPr id="42" name="Picture 41" descr="A screenshot of a cell phone&#10;&#10;Description automatically generated">
+              <a:extLst>
+                <a:ext uri="{FF2B5EF4-FFF2-40B4-BE49-F238E27FC236}">
+                  <a16:creationId xmlns:a16="http://schemas.microsoft.com/office/drawing/2014/main" id="{8E3FBCE4-9107-3942-BCEA-498A65D002E8}"/>
+                </a:ext>
+              </a:extLst>
+            </p:cNvPr>
+            <p:cNvPicPr>
+              <a:picLocks noChangeAspect="1"/>
+            </p:cNvPicPr>
+            <p:nvPr/>
+          </p:nvPicPr>
+          <p:blipFill rotWithShape="1">
+            <a:blip r:embed="rId2"/>
+            <a:srcRect t="6863"/>
+            <a:stretch/>
+          </p:blipFill>
+          <p:spPr>
+            <a:xfrm>
+              <a:off x="-4635" y="203147"/>
+              <a:ext cx="4864595" cy="3404132"/>
+            </a:xfrm>
+            <a:prstGeom prst="rect">
+              <a:avLst/>
+            </a:prstGeom>
+          </p:spPr>
+        </p:pic>
+        <p:pic>
+          <p:nvPicPr>
+            <p:cNvPr id="44" name="Picture 43" descr="A screenshot of a cell phone&#10;&#10;Description automatically generated">
+              <a:extLst>
+                <a:ext uri="{FF2B5EF4-FFF2-40B4-BE49-F238E27FC236}">
+                  <a16:creationId xmlns:a16="http://schemas.microsoft.com/office/drawing/2014/main" id="{35514C5C-6838-C447-BF9F-13A12C798349}"/>
+                </a:ext>
+              </a:extLst>
+            </p:cNvPr>
+            <p:cNvPicPr>
+              <a:picLocks noChangeAspect="1"/>
+            </p:cNvPicPr>
+            <p:nvPr/>
+          </p:nvPicPr>
+          <p:blipFill rotWithShape="1">
+            <a:blip r:embed="rId3"/>
+            <a:srcRect t="6480"/>
+            <a:stretch/>
+          </p:blipFill>
+          <p:spPr>
+            <a:xfrm>
+              <a:off x="1337" y="4464493"/>
+              <a:ext cx="4868097" cy="3420596"/>
+            </a:xfrm>
+            <a:prstGeom prst="rect">
+              <a:avLst/>
+            </a:prstGeom>
+          </p:spPr>
+        </p:pic>
+        <p:pic>
+          <p:nvPicPr>
+            <p:cNvPr id="36" name="Picture 35" descr="A screenshot of a cell phone&#10;&#10;Description automatically generated">
+              <a:extLst>
+                <a:ext uri="{FF2B5EF4-FFF2-40B4-BE49-F238E27FC236}">
+                  <a16:creationId xmlns:a16="http://schemas.microsoft.com/office/drawing/2014/main" id="{FA79AA20-E83B-0242-9ACC-8D7755AB8516}"/>
+                </a:ext>
+              </a:extLst>
+            </p:cNvPr>
+            <p:cNvPicPr>
+              <a:picLocks noChangeAspect="1"/>
+            </p:cNvPicPr>
+            <p:nvPr/>
+          </p:nvPicPr>
+          <p:blipFill rotWithShape="1">
+            <a:blip r:embed="rId4"/>
+            <a:srcRect t="6418"/>
+            <a:stretch/>
+          </p:blipFill>
+          <p:spPr>
+            <a:xfrm>
+              <a:off x="3952528" y="180410"/>
+              <a:ext cx="4868095" cy="3422852"/>
+            </a:xfrm>
+            <a:prstGeom prst="rect">
+              <a:avLst/>
+            </a:prstGeom>
+          </p:spPr>
+        </p:pic>
+        <p:pic>
+          <p:nvPicPr>
+            <p:cNvPr id="30" name="Picture 29" descr="A screenshot of a cell phone&#10;&#10;Description automatically generated">
+              <a:extLst>
+                <a:ext uri="{FF2B5EF4-FFF2-40B4-BE49-F238E27FC236}">
+                  <a16:creationId xmlns:a16="http://schemas.microsoft.com/office/drawing/2014/main" id="{36022539-541D-714F-A23E-F2BB2403DAC4}"/>
+                </a:ext>
+              </a:extLst>
+            </p:cNvPr>
+            <p:cNvPicPr>
+              <a:picLocks noChangeAspect="1"/>
+            </p:cNvPicPr>
+            <p:nvPr/>
+          </p:nvPicPr>
+          <p:blipFill rotWithShape="1">
+            <a:blip r:embed="rId5"/>
+            <a:srcRect t="6930"/>
+            <a:stretch/>
+          </p:blipFill>
+          <p:spPr>
+            <a:xfrm>
+              <a:off x="3944406" y="4464493"/>
+              <a:ext cx="4868095" cy="3404132"/>
+            </a:xfrm>
+            <a:prstGeom prst="rect">
+              <a:avLst/>
+            </a:prstGeom>
+          </p:spPr>
+        </p:pic>
+        <p:sp>
+          <p:nvSpPr>
+            <p:cNvPr id="17" name="TextBox 16">
+              <a:extLst>
+                <a:ext uri="{FF2B5EF4-FFF2-40B4-BE49-F238E27FC236}">
+                  <a16:creationId xmlns:a16="http://schemas.microsoft.com/office/drawing/2014/main" id="{7F4309D0-129A-064C-AC23-69427A3E8288}"/>
+                </a:ext>
+              </a:extLst>
+            </p:cNvPr>
+            <p:cNvSpPr txBox="1"/>
+            <p:nvPr/>
+          </p:nvSpPr>
+          <p:spPr>
+            <a:xfrm>
+              <a:off x="10041687" y="4180748"/>
+              <a:ext cx="612129" cy="276999"/>
+            </a:xfrm>
+            <a:prstGeom prst="rect">
+              <a:avLst/>
+            </a:prstGeom>
+            <a:solidFill>
+              <a:schemeClr val="bg1"/>
+            </a:solidFill>
+          </p:spPr>
+          <p:txBody>
+            <a:bodyPr wrap="square" rtlCol="0">
+              <a:spAutoFit/>
+            </a:bodyPr>
+            <a:lstStyle/>
+            <a:p>
+              <a:pPr algn="ctr"/>
+              <a:r>
+                <a:rPr lang="en-US" sz="1200" dirty="0" err="1">
+                  <a:latin typeface="Helvetica" pitchFamily="2" charset="0"/>
+                </a:rPr>
+                <a:t>SMø</a:t>
+              </a:r>
+              <a:endParaRPr lang="en-US" dirty="0">
+                <a:latin typeface="Helvetica" pitchFamily="2" charset="0"/>
+              </a:endParaRPr>
+            </a:p>
+          </p:txBody>
+        </p:sp>
+        <p:grpSp>
+          <p:nvGrpSpPr>
+            <p:cNvPr id="3" name="Group 2">
+              <a:extLst>
+                <a:ext uri="{FF2B5EF4-FFF2-40B4-BE49-F238E27FC236}">
+                  <a16:creationId xmlns:a16="http://schemas.microsoft.com/office/drawing/2014/main" id="{1A0D956F-57EF-FC4D-AAE3-6412A2413E7B}"/>
+                </a:ext>
+              </a:extLst>
+            </p:cNvPr>
+            <p:cNvGrpSpPr/>
+            <p:nvPr/>
+          </p:nvGrpSpPr>
+          <p:grpSpPr>
+            <a:xfrm>
+              <a:off x="7984447" y="-57614"/>
+              <a:ext cx="4868095" cy="3657603"/>
+              <a:chOff x="7984447" y="788553"/>
+              <a:chExt cx="4868095" cy="3657603"/>
+            </a:xfrm>
+          </p:grpSpPr>
+          <p:pic>
+            <p:nvPicPr>
+              <p:cNvPr id="38" name="Picture 37" descr="A screenshot of a cell phone&#10;&#10;Description automatically generated">
+                <a:extLst>
+                  <a:ext uri="{FF2B5EF4-FFF2-40B4-BE49-F238E27FC236}">
+                    <a16:creationId xmlns:a16="http://schemas.microsoft.com/office/drawing/2014/main" id="{763F1F81-DBB0-0245-A2C3-FDD87EF1CFB5}"/>
+                  </a:ext>
+                </a:extLst>
+              </p:cNvPr>
+              <p:cNvPicPr>
+                <a:picLocks noChangeAspect="1"/>
+              </p:cNvPicPr>
+              <p:nvPr/>
+            </p:nvPicPr>
+            <p:blipFill>
+              <a:blip r:embed="rId6"/>
+              <a:stretch>
+                <a:fillRect/>
+              </a:stretch>
+            </p:blipFill>
+            <p:spPr>
+              <a:xfrm>
+                <a:off x="7984447" y="788553"/>
+                <a:ext cx="4868095" cy="3657603"/>
+              </a:xfrm>
+              <a:prstGeom prst="rect">
+                <a:avLst/>
+              </a:prstGeom>
+            </p:spPr>
+          </p:pic>
+          <p:sp>
+            <p:nvSpPr>
+              <p:cNvPr id="2" name="Rectangle 1">
+                <a:extLst>
+                  <a:ext uri="{FF2B5EF4-FFF2-40B4-BE49-F238E27FC236}">
+                    <a16:creationId xmlns:a16="http://schemas.microsoft.com/office/drawing/2014/main" id="{79A2923E-2D1C-664A-831E-82AF644B850E}"/>
+                  </a:ext>
+                </a:extLst>
+              </p:cNvPr>
+              <p:cNvSpPr/>
+              <p:nvPr/>
+            </p:nvSpPr>
+            <p:spPr>
+              <a:xfrm>
+                <a:off x="10097589" y="849086"/>
+                <a:ext cx="398417" cy="200228"/>
+              </a:xfrm>
+              <a:prstGeom prst="rect">
+                <a:avLst/>
+              </a:prstGeom>
+              <a:solidFill>
+                <a:schemeClr val="bg1"/>
+              </a:solidFill>
+              <a:ln>
+                <a:noFill/>
+              </a:ln>
+            </p:spPr>
+            <p:style>
+              <a:lnRef idx="2">
+                <a:schemeClr val="accent1">
+                  <a:shade val="50000"/>
+                </a:schemeClr>
+              </a:lnRef>
+              <a:fillRef idx="1">
+                <a:schemeClr val="accent1"/>
+              </a:fillRef>
+              <a:effectRef idx="0">
+                <a:schemeClr val="accent1"/>
+              </a:effectRef>
+              <a:fontRef idx="minor">
+                <a:schemeClr val="lt1"/>
+              </a:fontRef>
+            </p:style>
+            <p:txBody>
+              <a:bodyPr rtlCol="0" anchor="ctr"/>
+              <a:lstStyle/>
+              <a:p>
+                <a:pPr algn="ctr"/>
+                <a:endParaRPr lang="en-US"/>
+              </a:p>
+            </p:txBody>
+          </p:sp>
+        </p:grpSp>
+        <p:grpSp>
+          <p:nvGrpSpPr>
+            <p:cNvPr id="4" name="Group 3">
+              <a:extLst>
+                <a:ext uri="{FF2B5EF4-FFF2-40B4-BE49-F238E27FC236}">
+                  <a16:creationId xmlns:a16="http://schemas.microsoft.com/office/drawing/2014/main" id="{77AAF860-8AAA-1E4B-A0AE-FE9E43872A40}"/>
+                </a:ext>
+              </a:extLst>
+            </p:cNvPr>
+            <p:cNvGrpSpPr/>
+            <p:nvPr/>
+          </p:nvGrpSpPr>
+          <p:grpSpPr>
+            <a:xfrm>
+              <a:off x="7980961" y="4200950"/>
+              <a:ext cx="4868096" cy="3684138"/>
+              <a:chOff x="7980961" y="5047117"/>
+              <a:chExt cx="4868096" cy="3684138"/>
+            </a:xfrm>
+          </p:grpSpPr>
+          <p:pic>
+            <p:nvPicPr>
+              <p:cNvPr id="32" name="Picture 31" descr="A screenshot of a cell phone&#10;&#10;Description automatically generated">
+                <a:extLst>
+                  <a:ext uri="{FF2B5EF4-FFF2-40B4-BE49-F238E27FC236}">
+                    <a16:creationId xmlns:a16="http://schemas.microsoft.com/office/drawing/2014/main" id="{A7295BAD-7F89-1343-AF07-5F3C39718897}"/>
+                  </a:ext>
+                </a:extLst>
+              </p:cNvPr>
+              <p:cNvPicPr>
+                <a:picLocks noChangeAspect="1"/>
+              </p:cNvPicPr>
+              <p:nvPr/>
+            </p:nvPicPr>
+            <p:blipFill rotWithShape="1">
+              <a:blip r:embed="rId7"/>
+              <a:srcRect t="2300"/>
+              <a:stretch/>
+            </p:blipFill>
+            <p:spPr>
+              <a:xfrm>
+                <a:off x="7980961" y="5157788"/>
+                <a:ext cx="4868096" cy="3573467"/>
+              </a:xfrm>
+              <a:prstGeom prst="rect">
+                <a:avLst/>
+              </a:prstGeom>
+            </p:spPr>
+          </p:pic>
+          <p:sp>
+            <p:nvSpPr>
+              <p:cNvPr id="69" name="Rectangle 68">
+                <a:extLst>
+                  <a:ext uri="{FF2B5EF4-FFF2-40B4-BE49-F238E27FC236}">
+                    <a16:creationId xmlns:a16="http://schemas.microsoft.com/office/drawing/2014/main" id="{26D88168-5341-164C-A3CB-B5A4A043E043}"/>
+                  </a:ext>
+                </a:extLst>
+              </p:cNvPr>
+              <p:cNvSpPr/>
+              <p:nvPr/>
+            </p:nvSpPr>
+            <p:spPr>
+              <a:xfrm>
+                <a:off x="9940923" y="5047117"/>
+                <a:ext cx="720903" cy="279852"/>
+              </a:xfrm>
+              <a:prstGeom prst="rect">
+                <a:avLst/>
+              </a:prstGeom>
+              <a:solidFill>
+                <a:schemeClr val="bg1"/>
+              </a:solidFill>
+              <a:ln>
+                <a:noFill/>
+              </a:ln>
+            </p:spPr>
+            <p:style>
+              <a:lnRef idx="2">
+                <a:schemeClr val="accent1">
+                  <a:shade val="50000"/>
+                </a:schemeClr>
+              </a:lnRef>
+              <a:fillRef idx="1">
+                <a:schemeClr val="accent1"/>
+              </a:fillRef>
+              <a:effectRef idx="0">
+                <a:schemeClr val="accent1"/>
+              </a:effectRef>
+              <a:fontRef idx="minor">
+                <a:schemeClr val="lt1"/>
+              </a:fontRef>
+            </p:style>
+            <p:txBody>
+              <a:bodyPr rtlCol="0" anchor="ctr"/>
+              <a:lstStyle/>
+              <a:p>
+                <a:pPr algn="ctr"/>
+                <a:endParaRPr lang="en-US">
+                  <a:solidFill>
+                    <a:schemeClr val="bg1"/>
+                  </a:solidFill>
+                </a:endParaRPr>
               </a:p>
             </p:txBody>
           </p:sp>
@@ -5423,328 +4655,6 @@
             </a:p>
           </p:txBody>
         </p:sp>
-        <p:pic>
-          <p:nvPicPr>
-            <p:cNvPr id="10" name="Picture 9" descr="A screenshot of a cell phone&#10;&#10;Description automatically generated">
-              <a:extLst>
-                <a:ext uri="{FF2B5EF4-FFF2-40B4-BE49-F238E27FC236}">
-                  <a16:creationId xmlns:a16="http://schemas.microsoft.com/office/drawing/2014/main" id="{6D59F68A-45D2-1C4E-BA58-E1F67FC43A6C}"/>
-                </a:ext>
-              </a:extLst>
-            </p:cNvPr>
-            <p:cNvPicPr>
-              <a:picLocks noChangeAspect="1"/>
-            </p:cNvPicPr>
-            <p:nvPr/>
-          </p:nvPicPr>
-          <p:blipFill rotWithShape="1">
-            <a:blip r:embed="rId8"/>
-            <a:srcRect t="6885"/>
-            <a:stretch/>
-          </p:blipFill>
-          <p:spPr>
-            <a:xfrm>
-              <a:off x="3487" y="191533"/>
-              <a:ext cx="4864608" cy="3403364"/>
-            </a:xfrm>
-            <a:prstGeom prst="rect">
-              <a:avLst/>
-            </a:prstGeom>
-          </p:spPr>
-        </p:pic>
-        <p:pic>
-          <p:nvPicPr>
-            <p:cNvPr id="11" name="Picture 10" descr="A screenshot of a cell phone&#10;&#10;Description automatically generated">
-              <a:extLst>
-                <a:ext uri="{FF2B5EF4-FFF2-40B4-BE49-F238E27FC236}">
-                  <a16:creationId xmlns:a16="http://schemas.microsoft.com/office/drawing/2014/main" id="{9562897B-8BA4-5841-9253-AE9A89AF6FED}"/>
-                </a:ext>
-              </a:extLst>
-            </p:cNvPr>
-            <p:cNvPicPr>
-              <a:picLocks noChangeAspect="1"/>
-            </p:cNvPicPr>
-            <p:nvPr/>
-          </p:nvPicPr>
-          <p:blipFill rotWithShape="1">
-            <a:blip r:embed="rId9"/>
-            <a:srcRect t="7032"/>
-            <a:stretch/>
-          </p:blipFill>
-          <p:spPr>
-            <a:xfrm>
-              <a:off x="3487" y="4484130"/>
-              <a:ext cx="4865225" cy="3398381"/>
-            </a:xfrm>
-            <a:prstGeom prst="rect">
-              <a:avLst/>
-            </a:prstGeom>
-          </p:spPr>
-        </p:pic>
-        <p:pic>
-          <p:nvPicPr>
-            <p:cNvPr id="12" name="Picture 11" descr="A screenshot of a cell phone&#10;&#10;Description automatically generated">
-              <a:extLst>
-                <a:ext uri="{FF2B5EF4-FFF2-40B4-BE49-F238E27FC236}">
-                  <a16:creationId xmlns:a16="http://schemas.microsoft.com/office/drawing/2014/main" id="{6FB709F4-45F4-8840-AC9D-F308ED9CF26F}"/>
-                </a:ext>
-              </a:extLst>
-            </p:cNvPr>
-            <p:cNvPicPr>
-              <a:picLocks noChangeAspect="1"/>
-            </p:cNvPicPr>
-            <p:nvPr/>
-          </p:nvPicPr>
-          <p:blipFill rotWithShape="1">
-            <a:blip r:embed="rId10"/>
-            <a:srcRect t="6812"/>
-            <a:stretch/>
-          </p:blipFill>
-          <p:spPr>
-            <a:xfrm>
-              <a:off x="3944408" y="191533"/>
-              <a:ext cx="4868093" cy="3408416"/>
-            </a:xfrm>
-            <a:prstGeom prst="rect">
-              <a:avLst/>
-            </a:prstGeom>
-          </p:spPr>
-        </p:pic>
-        <p:pic>
-          <p:nvPicPr>
-            <p:cNvPr id="13" name="Picture 12" descr="A screenshot of a cell phone&#10;&#10;Description automatically generated">
-              <a:extLst>
-                <a:ext uri="{FF2B5EF4-FFF2-40B4-BE49-F238E27FC236}">
-                  <a16:creationId xmlns:a16="http://schemas.microsoft.com/office/drawing/2014/main" id="{45F0FC82-F930-3C42-BE81-20084C133A22}"/>
-                </a:ext>
-              </a:extLst>
-            </p:cNvPr>
-            <p:cNvPicPr>
-              <a:picLocks noChangeAspect="1"/>
-            </p:cNvPicPr>
-            <p:nvPr/>
-          </p:nvPicPr>
-          <p:blipFill>
-            <a:blip r:embed="rId11"/>
-            <a:stretch>
-              <a:fillRect/>
-            </a:stretch>
-          </p:blipFill>
-          <p:spPr>
-            <a:xfrm>
-              <a:off x="7980961" y="-60087"/>
-              <a:ext cx="4864610" cy="3654984"/>
-            </a:xfrm>
-            <a:prstGeom prst="rect">
-              <a:avLst/>
-            </a:prstGeom>
-          </p:spPr>
-        </p:pic>
-        <p:pic>
-          <p:nvPicPr>
-            <p:cNvPr id="14" name="Picture 13" descr="A screenshot of a cell phone&#10;&#10;Description automatically generated">
-              <a:extLst>
-                <a:ext uri="{FF2B5EF4-FFF2-40B4-BE49-F238E27FC236}">
-                  <a16:creationId xmlns:a16="http://schemas.microsoft.com/office/drawing/2014/main" id="{ECCACF64-53E6-3A4B-8477-948A727CCA74}"/>
-                </a:ext>
-              </a:extLst>
-            </p:cNvPr>
-            <p:cNvPicPr>
-              <a:picLocks noChangeAspect="1"/>
-            </p:cNvPicPr>
-            <p:nvPr/>
-          </p:nvPicPr>
-          <p:blipFill rotWithShape="1">
-            <a:blip r:embed="rId12"/>
-            <a:srcRect t="6930"/>
-            <a:stretch/>
-          </p:blipFill>
-          <p:spPr>
-            <a:xfrm>
-              <a:off x="3993245" y="4457747"/>
-              <a:ext cx="4868093" cy="3404132"/>
-            </a:xfrm>
-            <a:prstGeom prst="rect">
-              <a:avLst/>
-            </a:prstGeom>
-          </p:spPr>
-        </p:pic>
-        <p:pic>
-          <p:nvPicPr>
-            <p:cNvPr id="15" name="Picture 14" descr="A screenshot of a cell phone&#10;&#10;Description automatically generated">
-              <a:extLst>
-                <a:ext uri="{FF2B5EF4-FFF2-40B4-BE49-F238E27FC236}">
-                  <a16:creationId xmlns:a16="http://schemas.microsoft.com/office/drawing/2014/main" id="{AEA7939B-90B6-5046-A696-089DF832664B}"/>
-                </a:ext>
-              </a:extLst>
-            </p:cNvPr>
-            <p:cNvPicPr>
-              <a:picLocks noChangeAspect="1"/>
-            </p:cNvPicPr>
-            <p:nvPr/>
-          </p:nvPicPr>
-          <p:blipFill>
-            <a:blip r:embed="rId13"/>
-            <a:stretch>
-              <a:fillRect/>
-            </a:stretch>
-          </p:blipFill>
-          <p:spPr>
-            <a:xfrm>
-              <a:off x="7977477" y="4226914"/>
-              <a:ext cx="4868094" cy="3657602"/>
-            </a:xfrm>
-            <a:prstGeom prst="rect">
-              <a:avLst/>
-            </a:prstGeom>
-          </p:spPr>
-        </p:pic>
-        <p:pic>
-          <p:nvPicPr>
-            <p:cNvPr id="28" name="Picture 27" descr="A screenshot of a cell phone&#10;&#10;Description automatically generated">
-              <a:extLst>
-                <a:ext uri="{FF2B5EF4-FFF2-40B4-BE49-F238E27FC236}">
-                  <a16:creationId xmlns:a16="http://schemas.microsoft.com/office/drawing/2014/main" id="{053B3987-7E1E-F04F-A45B-E86BAB24D860}"/>
-                </a:ext>
-              </a:extLst>
-            </p:cNvPr>
-            <p:cNvPicPr>
-              <a:picLocks noChangeAspect="1"/>
-            </p:cNvPicPr>
-            <p:nvPr/>
-          </p:nvPicPr>
-          <p:blipFill rotWithShape="1">
-            <a:blip r:embed="rId14"/>
-            <a:srcRect t="6930"/>
-            <a:stretch/>
-          </p:blipFill>
-          <p:spPr>
-            <a:xfrm>
-              <a:off x="0" y="4470447"/>
-              <a:ext cx="4868095" cy="3404132"/>
-            </a:xfrm>
-            <a:prstGeom prst="rect">
-              <a:avLst/>
-            </a:prstGeom>
-          </p:spPr>
-        </p:pic>
-        <p:pic>
-          <p:nvPicPr>
-            <p:cNvPr id="42" name="Picture 41" descr="A screenshot of a cell phone&#10;&#10;Description automatically generated">
-              <a:extLst>
-                <a:ext uri="{FF2B5EF4-FFF2-40B4-BE49-F238E27FC236}">
-                  <a16:creationId xmlns:a16="http://schemas.microsoft.com/office/drawing/2014/main" id="{8E3FBCE4-9107-3942-BCEA-498A65D002E8}"/>
-                </a:ext>
-              </a:extLst>
-            </p:cNvPr>
-            <p:cNvPicPr>
-              <a:picLocks noChangeAspect="1"/>
-            </p:cNvPicPr>
-            <p:nvPr/>
-          </p:nvPicPr>
-          <p:blipFill rotWithShape="1">
-            <a:blip r:embed="rId15"/>
-            <a:srcRect t="6863"/>
-            <a:stretch/>
-          </p:blipFill>
-          <p:spPr>
-            <a:xfrm>
-              <a:off x="-4635" y="206338"/>
-              <a:ext cx="4864595" cy="3404132"/>
-            </a:xfrm>
-            <a:prstGeom prst="rect">
-              <a:avLst/>
-            </a:prstGeom>
-          </p:spPr>
-        </p:pic>
-        <p:pic>
-          <p:nvPicPr>
-            <p:cNvPr id="44" name="Picture 43" descr="A screenshot of a cell phone&#10;&#10;Description automatically generated">
-              <a:extLst>
-                <a:ext uri="{FF2B5EF4-FFF2-40B4-BE49-F238E27FC236}">
-                  <a16:creationId xmlns:a16="http://schemas.microsoft.com/office/drawing/2014/main" id="{35514C5C-6838-C447-BF9F-13A12C798349}"/>
-                </a:ext>
-              </a:extLst>
-            </p:cNvPr>
-            <p:cNvPicPr>
-              <a:picLocks noChangeAspect="1"/>
-            </p:cNvPicPr>
-            <p:nvPr/>
-          </p:nvPicPr>
-          <p:blipFill rotWithShape="1">
-            <a:blip r:embed="rId16"/>
-            <a:srcRect t="6480"/>
-            <a:stretch/>
-          </p:blipFill>
-          <p:spPr>
-            <a:xfrm>
-              <a:off x="1337" y="4467684"/>
-              <a:ext cx="4868097" cy="3420596"/>
-            </a:xfrm>
-            <a:prstGeom prst="rect">
-              <a:avLst/>
-            </a:prstGeom>
-          </p:spPr>
-        </p:pic>
-        <p:pic>
-          <p:nvPicPr>
-            <p:cNvPr id="36" name="Picture 35" descr="A screenshot of a cell phone&#10;&#10;Description automatically generated">
-              <a:extLst>
-                <a:ext uri="{FF2B5EF4-FFF2-40B4-BE49-F238E27FC236}">
-                  <a16:creationId xmlns:a16="http://schemas.microsoft.com/office/drawing/2014/main" id="{FA79AA20-E83B-0242-9ACC-8D7755AB8516}"/>
-                </a:ext>
-              </a:extLst>
-            </p:cNvPr>
-            <p:cNvPicPr>
-              <a:picLocks noChangeAspect="1"/>
-            </p:cNvPicPr>
-            <p:nvPr/>
-          </p:nvPicPr>
-          <p:blipFill rotWithShape="1">
-            <a:blip r:embed="rId17"/>
-            <a:srcRect t="6418"/>
-            <a:stretch/>
-          </p:blipFill>
-          <p:spPr>
-            <a:xfrm>
-              <a:off x="3952528" y="183601"/>
-              <a:ext cx="4868095" cy="3422852"/>
-            </a:xfrm>
-            <a:prstGeom prst="rect">
-              <a:avLst/>
-            </a:prstGeom>
-          </p:spPr>
-        </p:pic>
-        <p:pic>
-          <p:nvPicPr>
-            <p:cNvPr id="38" name="Picture 37" descr="A screenshot of a cell phone&#10;&#10;Description automatically generated">
-              <a:extLst>
-                <a:ext uri="{FF2B5EF4-FFF2-40B4-BE49-F238E27FC236}">
-                  <a16:creationId xmlns:a16="http://schemas.microsoft.com/office/drawing/2014/main" id="{763F1F81-DBB0-0245-A2C3-FDD87EF1CFB5}"/>
-                </a:ext>
-              </a:extLst>
-            </p:cNvPr>
-            <p:cNvPicPr>
-              <a:picLocks noChangeAspect="1"/>
-            </p:cNvPicPr>
-            <p:nvPr/>
-          </p:nvPicPr>
-          <p:blipFill>
-            <a:blip r:embed="rId18"/>
-            <a:stretch>
-              <a:fillRect/>
-            </a:stretch>
-          </p:blipFill>
-          <p:spPr>
-            <a:xfrm>
-              <a:off x="7984447" y="-54423"/>
-              <a:ext cx="4868095" cy="3657603"/>
-            </a:xfrm>
-            <a:prstGeom prst="rect">
-              <a:avLst/>
-            </a:prstGeom>
-          </p:spPr>
-        </p:pic>
         <p:sp>
           <p:nvSpPr>
             <p:cNvPr id="16" name="TextBox 15">
@@ -5760,108 +4670,6 @@
           <p:spPr>
             <a:xfrm>
               <a:off x="9993049" y="-85466"/>
-              <a:ext cx="612129" cy="276999"/>
-            </a:xfrm>
-            <a:prstGeom prst="rect">
-              <a:avLst/>
-            </a:prstGeom>
-            <a:solidFill>
-              <a:schemeClr val="bg1"/>
-            </a:solidFill>
-          </p:spPr>
-          <p:txBody>
-            <a:bodyPr wrap="square" rtlCol="0">
-              <a:spAutoFit/>
-            </a:bodyPr>
-            <a:lstStyle/>
-            <a:p>
-              <a:pPr algn="ctr"/>
-              <a:r>
-                <a:rPr lang="en-US" sz="1200" dirty="0" err="1">
-                  <a:latin typeface="Helvetica" pitchFamily="2" charset="0"/>
-                </a:rPr>
-                <a:t>SMø</a:t>
-              </a:r>
-              <a:endParaRPr lang="en-US" dirty="0">
-                <a:latin typeface="Helvetica" pitchFamily="2" charset="0"/>
-              </a:endParaRPr>
-            </a:p>
-          </p:txBody>
-        </p:sp>
-        <p:pic>
-          <p:nvPicPr>
-            <p:cNvPr id="30" name="Picture 29" descr="A screenshot of a cell phone&#10;&#10;Description automatically generated">
-              <a:extLst>
-                <a:ext uri="{FF2B5EF4-FFF2-40B4-BE49-F238E27FC236}">
-                  <a16:creationId xmlns:a16="http://schemas.microsoft.com/office/drawing/2014/main" id="{36022539-541D-714F-A23E-F2BB2403DAC4}"/>
-                </a:ext>
-              </a:extLst>
-            </p:cNvPr>
-            <p:cNvPicPr>
-              <a:picLocks noChangeAspect="1"/>
-            </p:cNvPicPr>
-            <p:nvPr/>
-          </p:nvPicPr>
-          <p:blipFill rotWithShape="1">
-            <a:blip r:embed="rId19"/>
-            <a:srcRect t="6930"/>
-            <a:stretch/>
-          </p:blipFill>
-          <p:spPr>
-            <a:xfrm>
-              <a:off x="3944406" y="4467684"/>
-              <a:ext cx="4868095" cy="3404132"/>
-            </a:xfrm>
-            <a:prstGeom prst="rect">
-              <a:avLst/>
-            </a:prstGeom>
-          </p:spPr>
-        </p:pic>
-        <p:pic>
-          <p:nvPicPr>
-            <p:cNvPr id="32" name="Picture 31" descr="A screenshot of a cell phone&#10;&#10;Description automatically generated">
-              <a:extLst>
-                <a:ext uri="{FF2B5EF4-FFF2-40B4-BE49-F238E27FC236}">
-                  <a16:creationId xmlns:a16="http://schemas.microsoft.com/office/drawing/2014/main" id="{A7295BAD-7F89-1343-AF07-5F3C39718897}"/>
-                </a:ext>
-              </a:extLst>
-            </p:cNvPr>
-            <p:cNvPicPr>
-              <a:picLocks noChangeAspect="1"/>
-            </p:cNvPicPr>
-            <p:nvPr/>
-          </p:nvPicPr>
-          <p:blipFill>
-            <a:blip r:embed="rId20"/>
-            <a:stretch>
-              <a:fillRect/>
-            </a:stretch>
-          </p:blipFill>
-          <p:spPr>
-            <a:xfrm>
-              <a:off x="7980961" y="4230676"/>
-              <a:ext cx="4868096" cy="3657603"/>
-            </a:xfrm>
-            <a:prstGeom prst="rect">
-              <a:avLst/>
-            </a:prstGeom>
-          </p:spPr>
-        </p:pic>
-        <p:sp>
-          <p:nvSpPr>
-            <p:cNvPr id="17" name="TextBox 16">
-              <a:extLst>
-                <a:ext uri="{FF2B5EF4-FFF2-40B4-BE49-F238E27FC236}">
-                  <a16:creationId xmlns:a16="http://schemas.microsoft.com/office/drawing/2014/main" id="{7F4309D0-129A-064C-AC23-69427A3E8288}"/>
-                </a:ext>
-              </a:extLst>
-            </p:cNvPr>
-            <p:cNvSpPr txBox="1"/>
-            <p:nvPr/>
-          </p:nvSpPr>
-          <p:spPr>
-            <a:xfrm>
-              <a:off x="10041687" y="4180748"/>
               <a:ext cx="612129" cy="276999"/>
             </a:xfrm>
             <a:prstGeom prst="rect">
